--- a/ER model.pptx
+++ b/ER model.pptx
@@ -104,6 +104,11 @@
       </a:defRPr>
     </a:lvl9pPr>
   </p:defaultTextStyle>
+  <p:extLst>
+    <p:ext uri="{EFAFB233-063F-42B5-8137-9DF3F51BA10A}">
+      <p15:sldGuideLst xmlns:p15="http://schemas.microsoft.com/office/powerpoint/2012/main"/>
+    </p:ext>
+  </p:extLst>
 </p:presentation>
 </file>
 
@@ -238,7 +243,7 @@
           <a:p>
             <a:fld id="{B38EA6E9-28F5-C443-9190-D25FC4902455}" type="datetimeFigureOut">
               <a:rPr lang="en-US" smtClean="0"/>
-              <a:t>10/1/18</a:t>
+              <a:t>10/3/18</a:t>
             </a:fld>
             <a:endParaRPr lang="en-US"/>
           </a:p>
@@ -408,7 +413,7 @@
           <a:p>
             <a:fld id="{B38EA6E9-28F5-C443-9190-D25FC4902455}" type="datetimeFigureOut">
               <a:rPr lang="en-US" smtClean="0"/>
-              <a:t>10/1/18</a:t>
+              <a:t>10/3/18</a:t>
             </a:fld>
             <a:endParaRPr lang="en-US"/>
           </a:p>
@@ -588,7 +593,7 @@
           <a:p>
             <a:fld id="{B38EA6E9-28F5-C443-9190-D25FC4902455}" type="datetimeFigureOut">
               <a:rPr lang="en-US" smtClean="0"/>
-              <a:t>10/1/18</a:t>
+              <a:t>10/3/18</a:t>
             </a:fld>
             <a:endParaRPr lang="en-US"/>
           </a:p>
@@ -758,7 +763,7 @@
           <a:p>
             <a:fld id="{B38EA6E9-28F5-C443-9190-D25FC4902455}" type="datetimeFigureOut">
               <a:rPr lang="en-US" smtClean="0"/>
-              <a:t>10/1/18</a:t>
+              <a:t>10/3/18</a:t>
             </a:fld>
             <a:endParaRPr lang="en-US"/>
           </a:p>
@@ -1004,7 +1009,7 @@
           <a:p>
             <a:fld id="{B38EA6E9-28F5-C443-9190-D25FC4902455}" type="datetimeFigureOut">
               <a:rPr lang="en-US" smtClean="0"/>
-              <a:t>10/1/18</a:t>
+              <a:t>10/3/18</a:t>
             </a:fld>
             <a:endParaRPr lang="en-US"/>
           </a:p>
@@ -1236,7 +1241,7 @@
           <a:p>
             <a:fld id="{B38EA6E9-28F5-C443-9190-D25FC4902455}" type="datetimeFigureOut">
               <a:rPr lang="en-US" smtClean="0"/>
-              <a:t>10/1/18</a:t>
+              <a:t>10/3/18</a:t>
             </a:fld>
             <a:endParaRPr lang="en-US"/>
           </a:p>
@@ -1603,7 +1608,7 @@
           <a:p>
             <a:fld id="{B38EA6E9-28F5-C443-9190-D25FC4902455}" type="datetimeFigureOut">
               <a:rPr lang="en-US" smtClean="0"/>
-              <a:t>10/1/18</a:t>
+              <a:t>10/3/18</a:t>
             </a:fld>
             <a:endParaRPr lang="en-US"/>
           </a:p>
@@ -1721,7 +1726,7 @@
           <a:p>
             <a:fld id="{B38EA6E9-28F5-C443-9190-D25FC4902455}" type="datetimeFigureOut">
               <a:rPr lang="en-US" smtClean="0"/>
-              <a:t>10/1/18</a:t>
+              <a:t>10/3/18</a:t>
             </a:fld>
             <a:endParaRPr lang="en-US"/>
           </a:p>
@@ -1816,7 +1821,7 @@
           <a:p>
             <a:fld id="{B38EA6E9-28F5-C443-9190-D25FC4902455}" type="datetimeFigureOut">
               <a:rPr lang="en-US" smtClean="0"/>
-              <a:t>10/1/18</a:t>
+              <a:t>10/3/18</a:t>
             </a:fld>
             <a:endParaRPr lang="en-US"/>
           </a:p>
@@ -2093,7 +2098,7 @@
           <a:p>
             <a:fld id="{B38EA6E9-28F5-C443-9190-D25FC4902455}" type="datetimeFigureOut">
               <a:rPr lang="en-US" smtClean="0"/>
-              <a:t>10/1/18</a:t>
+              <a:t>10/3/18</a:t>
             </a:fld>
             <a:endParaRPr lang="en-US"/>
           </a:p>
@@ -2346,7 +2351,7 @@
           <a:p>
             <a:fld id="{B38EA6E9-28F5-C443-9190-D25FC4902455}" type="datetimeFigureOut">
               <a:rPr lang="en-US" smtClean="0"/>
-              <a:t>10/1/18</a:t>
+              <a:t>10/3/18</a:t>
             </a:fld>
             <a:endParaRPr lang="en-US"/>
           </a:p>
@@ -2559,7 +2564,7 @@
           <a:p>
             <a:fld id="{B38EA6E9-28F5-C443-9190-D25FC4902455}" type="datetimeFigureOut">
               <a:rPr lang="en-US" smtClean="0"/>
-              <a:t>10/1/18</a:t>
+              <a:t>10/3/18</a:t>
             </a:fld>
             <a:endParaRPr lang="en-US"/>
           </a:p>
@@ -2964,522 +2969,2095 @@
           <a:chExt cx="0" cy="0"/>
         </a:xfrm>
       </p:grpSpPr>
-      <p:sp>
-        <p:nvSpPr>
-          <p:cNvPr id="4" name="Rectangle 3"/>
-          <p:cNvSpPr/>
+      <p:grpSp>
+        <p:nvGrpSpPr>
+          <p:cNvPr id="2" name="Group 1"/>
+          <p:cNvGrpSpPr/>
           <p:nvPr/>
-        </p:nvSpPr>
-        <p:spPr>
+        </p:nvGrpSpPr>
+        <p:grpSpPr>
           <a:xfrm>
-            <a:off x="3596640" y="2058035"/>
-            <a:ext cx="574675" cy="345440"/>
+            <a:off x="1105525" y="479124"/>
+            <a:ext cx="9873771" cy="5241928"/>
+            <a:chOff x="21791" y="225123"/>
+            <a:chExt cx="9873771" cy="5241928"/>
           </a:xfrm>
-          <a:prstGeom prst="rect">
-            <a:avLst/>
-          </a:prstGeom>
-          <a:solidFill>
-            <a:schemeClr val="accent1">
-              <a:lumMod val="75000"/>
-            </a:schemeClr>
-          </a:solidFill>
-        </p:spPr>
-        <p:style>
-          <a:lnRef idx="2">
-            <a:schemeClr val="accent1">
-              <a:shade val="50000"/>
-            </a:schemeClr>
-          </a:lnRef>
-          <a:fillRef idx="1">
-            <a:schemeClr val="accent1"/>
-          </a:fillRef>
-          <a:effectRef idx="0">
-            <a:schemeClr val="accent1"/>
-          </a:effectRef>
-          <a:fontRef idx="minor">
-            <a:schemeClr val="lt1"/>
-          </a:fontRef>
-        </p:style>
-        <p:txBody>
-          <a:bodyPr rot="0" spcFirstLastPara="0" vert="horz" wrap="square" lIns="91440" tIns="45720" rIns="91440" bIns="45720" numCol="1" spcCol="0" rtlCol="0" fromWordArt="0" anchor="ctr" anchorCtr="0" forceAA="0" compatLnSpc="1">
-            <a:prstTxWarp prst="textNoShape">
+        </p:grpSpPr>
+        <p:sp>
+          <p:nvSpPr>
+            <p:cNvPr id="4" name="Rectangle 3"/>
+            <p:cNvSpPr/>
+            <p:nvPr/>
+          </p:nvSpPr>
+          <p:spPr>
+            <a:xfrm>
+              <a:off x="3596640" y="2058035"/>
+              <a:ext cx="574675" cy="345440"/>
+            </a:xfrm>
+            <a:prstGeom prst="rect">
               <a:avLst/>
-            </a:prstTxWarp>
-            <a:noAutofit/>
-          </a:bodyPr>
-          <a:lstStyle/>
-          <a:p>
-            <a:pPr marL="0" marR="0" algn="ctr">
-              <a:spcBef>
-                <a:spcPts val="0"/>
-              </a:spcBef>
-              <a:spcAft>
-                <a:spcPts val="0"/>
-              </a:spcAft>
-            </a:pPr>
-            <a:r>
-              <a:rPr lang="en-US" sz="1200">
+            </a:prstGeom>
+            <a:solidFill>
+              <a:schemeClr val="accent1">
+                <a:lumMod val="75000"/>
+              </a:schemeClr>
+            </a:solidFill>
+          </p:spPr>
+          <p:style>
+            <a:lnRef idx="2">
+              <a:schemeClr val="accent1">
+                <a:shade val="50000"/>
+              </a:schemeClr>
+            </a:lnRef>
+            <a:fillRef idx="1">
+              <a:schemeClr val="accent1"/>
+            </a:fillRef>
+            <a:effectRef idx="0">
+              <a:schemeClr val="accent1"/>
+            </a:effectRef>
+            <a:fontRef idx="minor">
+              <a:schemeClr val="lt1"/>
+            </a:fontRef>
+          </p:style>
+          <p:txBody>
+            <a:bodyPr rot="0" spcFirstLastPara="0" vert="horz" wrap="square" lIns="91440" tIns="45720" rIns="91440" bIns="45720" numCol="1" spcCol="0" rtlCol="0" fromWordArt="0" anchor="ctr" anchorCtr="0" forceAA="0" compatLnSpc="1">
+              <a:prstTxWarp prst="textNoShape">
+                <a:avLst/>
+              </a:prstTxWarp>
+              <a:noAutofit/>
+            </a:bodyPr>
+            <a:lstStyle/>
+            <a:p>
+              <a:pPr marL="0" marR="0" algn="ctr">
+                <a:spcBef>
+                  <a:spcPts val="0"/>
+                </a:spcBef>
+                <a:spcAft>
+                  <a:spcPts val="0"/>
+                </a:spcAft>
+              </a:pPr>
+              <a:r>
+                <a:rPr lang="en-US" sz="1200">
+                  <a:effectLst/>
+                  <a:ea typeface="Calibri" charset="0"/>
+                  <a:cs typeface="Times New Roman" charset="0"/>
+                </a:rPr>
+                <a:t>Item</a:t>
+              </a:r>
+            </a:p>
+          </p:txBody>
+        </p:sp>
+        <p:sp>
+          <p:nvSpPr>
+            <p:cNvPr id="5" name="Rectangle 4"/>
+            <p:cNvSpPr/>
+            <p:nvPr/>
+          </p:nvSpPr>
+          <p:spPr>
+            <a:xfrm>
+              <a:off x="1423035" y="4003040"/>
+              <a:ext cx="574675" cy="345440"/>
+            </a:xfrm>
+            <a:prstGeom prst="rect">
+              <a:avLst/>
+            </a:prstGeom>
+            <a:solidFill>
+              <a:schemeClr val="accent1">
+                <a:lumMod val="75000"/>
+              </a:schemeClr>
+            </a:solidFill>
+          </p:spPr>
+          <p:style>
+            <a:lnRef idx="2">
+              <a:schemeClr val="accent1">
+                <a:shade val="50000"/>
+              </a:schemeClr>
+            </a:lnRef>
+            <a:fillRef idx="1">
+              <a:schemeClr val="accent1"/>
+            </a:fillRef>
+            <a:effectRef idx="0">
+              <a:schemeClr val="accent1"/>
+            </a:effectRef>
+            <a:fontRef idx="minor">
+              <a:schemeClr val="lt1"/>
+            </a:fontRef>
+          </p:style>
+          <p:txBody>
+            <a:bodyPr rot="0" spcFirstLastPara="0" vert="horz" wrap="square" lIns="91440" tIns="45720" rIns="91440" bIns="45720" numCol="1" spcCol="0" rtlCol="0" fromWordArt="0" anchor="ctr" anchorCtr="0" forceAA="0" compatLnSpc="1">
+              <a:prstTxWarp prst="textNoShape">
+                <a:avLst/>
+              </a:prstTxWarp>
+              <a:noAutofit/>
+            </a:bodyPr>
+            <a:lstStyle/>
+            <a:p>
+              <a:pPr marL="0" marR="0" algn="ctr">
+                <a:spcBef>
+                  <a:spcPts val="0"/>
+                </a:spcBef>
+                <a:spcAft>
+                  <a:spcPts val="0"/>
+                </a:spcAft>
+              </a:pPr>
+              <a:r>
+                <a:rPr lang="en-US" sz="1200">
+                  <a:effectLst/>
+                  <a:ea typeface="Calibri" charset="0"/>
+                  <a:cs typeface="Times New Roman" charset="0"/>
+                </a:rPr>
+                <a:t>Bid</a:t>
+              </a:r>
+            </a:p>
+          </p:txBody>
+        </p:sp>
+        <p:sp>
+          <p:nvSpPr>
+            <p:cNvPr id="6" name="Rectangle 5"/>
+            <p:cNvSpPr/>
+            <p:nvPr/>
+          </p:nvSpPr>
+          <p:spPr>
+            <a:xfrm>
+              <a:off x="5884545" y="3999865"/>
+              <a:ext cx="574675" cy="345440"/>
+            </a:xfrm>
+            <a:prstGeom prst="rect">
+              <a:avLst/>
+            </a:prstGeom>
+            <a:solidFill>
+              <a:schemeClr val="accent1">
+                <a:lumMod val="75000"/>
+              </a:schemeClr>
+            </a:solidFill>
+          </p:spPr>
+          <p:style>
+            <a:lnRef idx="2">
+              <a:schemeClr val="accent1">
+                <a:shade val="50000"/>
+              </a:schemeClr>
+            </a:lnRef>
+            <a:fillRef idx="1">
+              <a:schemeClr val="accent1"/>
+            </a:fillRef>
+            <a:effectRef idx="0">
+              <a:schemeClr val="accent1"/>
+            </a:effectRef>
+            <a:fontRef idx="minor">
+              <a:schemeClr val="lt1"/>
+            </a:fontRef>
+          </p:style>
+          <p:txBody>
+            <a:bodyPr rot="0" spcFirstLastPara="0" vert="horz" wrap="square" lIns="91440" tIns="45720" rIns="91440" bIns="45720" numCol="1" spcCol="0" rtlCol="0" fromWordArt="0" anchor="ctr" anchorCtr="0" forceAA="0" compatLnSpc="1">
+              <a:prstTxWarp prst="textNoShape">
+                <a:avLst/>
+              </a:prstTxWarp>
+              <a:noAutofit/>
+            </a:bodyPr>
+            <a:lstStyle/>
+            <a:p>
+              <a:pPr marL="0" marR="0" algn="ctr">
+                <a:spcBef>
+                  <a:spcPts val="0"/>
+                </a:spcBef>
+                <a:spcAft>
+                  <a:spcPts val="0"/>
+                </a:spcAft>
+              </a:pPr>
+              <a:r>
+                <a:rPr lang="en-US" sz="1200">
+                  <a:effectLst/>
+                  <a:ea typeface="Calibri" charset="0"/>
+                  <a:cs typeface="Times New Roman" charset="0"/>
+                </a:rPr>
+                <a:t>User</a:t>
+              </a:r>
+            </a:p>
+          </p:txBody>
+        </p:sp>
+        <p:sp>
+          <p:nvSpPr>
+            <p:cNvPr id="7" name="Diamond 6"/>
+            <p:cNvSpPr/>
+            <p:nvPr/>
+          </p:nvSpPr>
+          <p:spPr>
+            <a:xfrm rot="19102674">
+              <a:off x="1870710" y="2860040"/>
+              <a:ext cx="1380490" cy="570865"/>
+            </a:xfrm>
+            <a:prstGeom prst="diamond">
+              <a:avLst/>
+            </a:prstGeom>
+            <a:solidFill>
+              <a:schemeClr val="accent6">
+                <a:lumMod val="75000"/>
+              </a:schemeClr>
+            </a:solidFill>
+          </p:spPr>
+          <p:style>
+            <a:lnRef idx="2">
+              <a:schemeClr val="accent1">
+                <a:shade val="50000"/>
+              </a:schemeClr>
+            </a:lnRef>
+            <a:fillRef idx="1">
+              <a:schemeClr val="accent1"/>
+            </a:fillRef>
+            <a:effectRef idx="0">
+              <a:schemeClr val="accent1"/>
+            </a:effectRef>
+            <a:fontRef idx="minor">
+              <a:schemeClr val="lt1"/>
+            </a:fontRef>
+          </p:style>
+          <p:txBody>
+            <a:bodyPr rot="0" spcFirstLastPara="0" vert="horz" wrap="square" lIns="91440" tIns="45720" rIns="91440" bIns="45720" numCol="1" spcCol="0" rtlCol="0" fromWordArt="0" anchor="ctr" anchorCtr="0" forceAA="0" compatLnSpc="1">
+              <a:prstTxWarp prst="textNoShape">
+                <a:avLst/>
+              </a:prstTxWarp>
+              <a:noAutofit/>
+            </a:bodyPr>
+            <a:lstStyle/>
+            <a:p>
+              <a:pPr marL="0" marR="0" algn="ctr">
+                <a:spcBef>
+                  <a:spcPts val="0"/>
+                </a:spcBef>
+                <a:spcAft>
+                  <a:spcPts val="0"/>
+                </a:spcAft>
+              </a:pPr>
+              <a:r>
+                <a:rPr lang="en-US" sz="1200">
+                  <a:effectLst/>
+                  <a:ea typeface="Calibri" charset="0"/>
+                  <a:cs typeface="Times New Roman" charset="0"/>
+                </a:rPr>
+                <a:t>bid</a:t>
+              </a:r>
+            </a:p>
+          </p:txBody>
+        </p:sp>
+        <p:sp>
+          <p:nvSpPr>
+            <p:cNvPr id="8" name="Diamond 7"/>
+            <p:cNvSpPr/>
+            <p:nvPr/>
+          </p:nvSpPr>
+          <p:spPr>
+            <a:xfrm rot="2676246">
+              <a:off x="4394835" y="2863850"/>
+              <a:ext cx="1380490" cy="570865"/>
+            </a:xfrm>
+            <a:prstGeom prst="diamond">
+              <a:avLst/>
+            </a:prstGeom>
+            <a:solidFill>
+              <a:schemeClr val="accent6">
+                <a:lumMod val="75000"/>
+              </a:schemeClr>
+            </a:solidFill>
+          </p:spPr>
+          <p:style>
+            <a:lnRef idx="2">
+              <a:schemeClr val="accent1">
+                <a:shade val="50000"/>
+              </a:schemeClr>
+            </a:lnRef>
+            <a:fillRef idx="1">
+              <a:schemeClr val="accent1"/>
+            </a:fillRef>
+            <a:effectRef idx="0">
+              <a:schemeClr val="accent1"/>
+            </a:effectRef>
+            <a:fontRef idx="minor">
+              <a:schemeClr val="lt1"/>
+            </a:fontRef>
+          </p:style>
+          <p:txBody>
+            <a:bodyPr rot="0" spcFirstLastPara="0" vert="horz" wrap="square" lIns="91440" tIns="45720" rIns="91440" bIns="45720" numCol="1" spcCol="0" rtlCol="0" fromWordArt="0" anchor="ctr" anchorCtr="0" forceAA="0" compatLnSpc="1">
+              <a:prstTxWarp prst="textNoShape">
+                <a:avLst/>
+              </a:prstTxWarp>
+              <a:noAutofit/>
+            </a:bodyPr>
+            <a:lstStyle/>
+            <a:p>
+              <a:pPr marL="0" marR="0" algn="ctr">
+                <a:spcBef>
+                  <a:spcPts val="0"/>
+                </a:spcBef>
+                <a:spcAft>
+                  <a:spcPts val="0"/>
+                </a:spcAft>
+              </a:pPr>
+              <a:r>
+                <a:rPr lang="en-US" sz="1200">
+                  <a:effectLst/>
+                  <a:ea typeface="Calibri" charset="0"/>
+                  <a:cs typeface="Times New Roman" charset="0"/>
+                </a:rPr>
+                <a:t>seller</a:t>
+              </a:r>
+            </a:p>
+          </p:txBody>
+        </p:sp>
+        <p:sp>
+          <p:nvSpPr>
+            <p:cNvPr id="9" name="Diamond 8"/>
+            <p:cNvSpPr/>
+            <p:nvPr/>
+          </p:nvSpPr>
+          <p:spPr>
+            <a:xfrm>
+              <a:off x="3250882" y="3869372"/>
+              <a:ext cx="1380490" cy="570865"/>
+            </a:xfrm>
+            <a:prstGeom prst="diamond">
+              <a:avLst/>
+            </a:prstGeom>
+            <a:solidFill>
+              <a:schemeClr val="accent6">
+                <a:lumMod val="75000"/>
+              </a:schemeClr>
+            </a:solidFill>
+          </p:spPr>
+          <p:style>
+            <a:lnRef idx="2">
+              <a:schemeClr val="accent1">
+                <a:shade val="50000"/>
+              </a:schemeClr>
+            </a:lnRef>
+            <a:fillRef idx="1">
+              <a:schemeClr val="accent1"/>
+            </a:fillRef>
+            <a:effectRef idx="0">
+              <a:schemeClr val="accent1"/>
+            </a:effectRef>
+            <a:fontRef idx="minor">
+              <a:schemeClr val="lt1"/>
+            </a:fontRef>
+          </p:style>
+          <p:txBody>
+            <a:bodyPr rot="0" spcFirstLastPara="0" vert="horz" wrap="square" lIns="91440" tIns="45720" rIns="91440" bIns="45720" numCol="1" spcCol="0" rtlCol="0" fromWordArt="0" anchor="ctr" anchorCtr="0" forceAA="0" compatLnSpc="1">
+              <a:prstTxWarp prst="textNoShape">
+                <a:avLst/>
+              </a:prstTxWarp>
+              <a:noAutofit/>
+            </a:bodyPr>
+            <a:lstStyle/>
+            <a:p>
+              <a:pPr marL="0" marR="0" algn="ctr">
+                <a:spcBef>
+                  <a:spcPts val="0"/>
+                </a:spcBef>
+                <a:spcAft>
+                  <a:spcPts val="0"/>
+                </a:spcAft>
+              </a:pPr>
+              <a:r>
+                <a:rPr lang="en-US" sz="1200" dirty="0" smtClean="0">
+                  <a:effectLst/>
+                  <a:ea typeface="Calibri" charset="0"/>
+                  <a:cs typeface="Times New Roman" charset="0"/>
+                </a:rPr>
+                <a:t>bidder</a:t>
+              </a:r>
+              <a:endParaRPr lang="en-US" sz="1200" dirty="0">
                 <a:effectLst/>
                 <a:ea typeface="Calibri" charset="0"/>
                 <a:cs typeface="Times New Roman" charset="0"/>
-              </a:rPr>
-              <a:t>Item</a:t>
-            </a:r>
-          </a:p>
-        </p:txBody>
-      </p:sp>
-      <p:sp>
-        <p:nvSpPr>
-          <p:cNvPr id="5" name="Rectangle 4"/>
-          <p:cNvSpPr/>
-          <p:nvPr/>
-        </p:nvSpPr>
-        <p:spPr>
-          <a:xfrm>
-            <a:off x="1423035" y="4003040"/>
-            <a:ext cx="574675" cy="345440"/>
-          </a:xfrm>
-          <a:prstGeom prst="rect">
-            <a:avLst/>
-          </a:prstGeom>
-          <a:solidFill>
-            <a:schemeClr val="accent1">
-              <a:lumMod val="75000"/>
-            </a:schemeClr>
-          </a:solidFill>
-        </p:spPr>
-        <p:style>
-          <a:lnRef idx="2">
-            <a:schemeClr val="accent1">
-              <a:shade val="50000"/>
-            </a:schemeClr>
-          </a:lnRef>
-          <a:fillRef idx="1">
-            <a:schemeClr val="accent1"/>
-          </a:fillRef>
-          <a:effectRef idx="0">
-            <a:schemeClr val="accent1"/>
-          </a:effectRef>
-          <a:fontRef idx="minor">
-            <a:schemeClr val="lt1"/>
-          </a:fontRef>
-        </p:style>
-        <p:txBody>
-          <a:bodyPr rot="0" spcFirstLastPara="0" vert="horz" wrap="square" lIns="91440" tIns="45720" rIns="91440" bIns="45720" numCol="1" spcCol="0" rtlCol="0" fromWordArt="0" anchor="ctr" anchorCtr="0" forceAA="0" compatLnSpc="1">
-            <a:prstTxWarp prst="textNoShape">
+              </a:endParaRPr>
+            </a:p>
+          </p:txBody>
+        </p:sp>
+        <p:cxnSp>
+          <p:nvCxnSpPr>
+            <p:cNvPr id="10" name="Straight Arrow Connector 9"/>
+            <p:cNvCxnSpPr>
+              <a:stCxn id="7" idx="3"/>
+            </p:cNvCxnSpPr>
+            <p:nvPr/>
+          </p:nvCxnSpPr>
+          <p:spPr>
+            <a:xfrm flipV="1">
+              <a:off x="3076942" y="2402840"/>
+              <a:ext cx="745758" cy="284162"/>
+            </a:xfrm>
+            <a:prstGeom prst="straightConnector1">
               <a:avLst/>
-            </a:prstTxWarp>
-            <a:noAutofit/>
-          </a:bodyPr>
-          <a:lstStyle/>
-          <a:p>
-            <a:pPr marL="0" marR="0" algn="ctr">
-              <a:spcBef>
-                <a:spcPts val="0"/>
-              </a:spcBef>
-              <a:spcAft>
-                <a:spcPts val="0"/>
-              </a:spcAft>
-            </a:pPr>
-            <a:r>
-              <a:rPr lang="en-US" sz="1200">
+            </a:prstGeom>
+            <a:ln>
+              <a:tailEnd type="triangle"/>
+            </a:ln>
+          </p:spPr>
+          <p:style>
+            <a:lnRef idx="1">
+              <a:schemeClr val="dk1"/>
+            </a:lnRef>
+            <a:fillRef idx="0">
+              <a:schemeClr val="dk1"/>
+            </a:fillRef>
+            <a:effectRef idx="0">
+              <a:schemeClr val="dk1"/>
+            </a:effectRef>
+            <a:fontRef idx="minor">
+              <a:schemeClr val="tx1"/>
+            </a:fontRef>
+          </p:style>
+        </p:cxnSp>
+        <p:cxnSp>
+          <p:nvCxnSpPr>
+            <p:cNvPr id="11" name="Straight Arrow Connector 10"/>
+            <p:cNvCxnSpPr>
+              <a:stCxn id="8" idx="3"/>
+            </p:cNvCxnSpPr>
+            <p:nvPr/>
+          </p:nvCxnSpPr>
+          <p:spPr>
+            <a:xfrm>
+              <a:off x="5576517" y="3633976"/>
+              <a:ext cx="532183" cy="368429"/>
+            </a:xfrm>
+            <a:prstGeom prst="straightConnector1">
+              <a:avLst/>
+            </a:prstGeom>
+            <a:ln>
+              <a:tailEnd type="triangle"/>
+            </a:ln>
+          </p:spPr>
+          <p:style>
+            <a:lnRef idx="1">
+              <a:schemeClr val="dk1"/>
+            </a:lnRef>
+            <a:fillRef idx="0">
+              <a:schemeClr val="dk1"/>
+            </a:fillRef>
+            <a:effectRef idx="0">
+              <a:schemeClr val="dk1"/>
+            </a:effectRef>
+            <a:fontRef idx="minor">
+              <a:schemeClr val="tx1"/>
+            </a:fontRef>
+          </p:style>
+        </p:cxnSp>
+        <p:cxnSp>
+          <p:nvCxnSpPr>
+            <p:cNvPr id="15" name="Straight Arrow Connector 14"/>
+            <p:cNvCxnSpPr>
+              <a:endCxn id="6" idx="1"/>
+            </p:cNvCxnSpPr>
+            <p:nvPr/>
+          </p:nvCxnSpPr>
+          <p:spPr>
+            <a:xfrm>
+              <a:off x="4641209" y="4146362"/>
+              <a:ext cx="1243336" cy="26223"/>
+            </a:xfrm>
+            <a:prstGeom prst="straightConnector1">
+              <a:avLst/>
+            </a:prstGeom>
+            <a:ln>
+              <a:tailEnd type="triangle"/>
+            </a:ln>
+          </p:spPr>
+          <p:style>
+            <a:lnRef idx="1">
+              <a:schemeClr val="dk1"/>
+            </a:lnRef>
+            <a:fillRef idx="0">
+              <a:schemeClr val="dk1"/>
+            </a:fillRef>
+            <a:effectRef idx="0">
+              <a:schemeClr val="dk1"/>
+            </a:effectRef>
+            <a:fontRef idx="minor">
+              <a:schemeClr val="tx1"/>
+            </a:fontRef>
+          </p:style>
+        </p:cxnSp>
+        <p:cxnSp>
+          <p:nvCxnSpPr>
+            <p:cNvPr id="19" name="Straight Connector 18"/>
+            <p:cNvCxnSpPr>
+              <a:stCxn id="4" idx="2"/>
+              <a:endCxn id="8" idx="1"/>
+            </p:cNvCxnSpPr>
+            <p:nvPr/>
+          </p:nvCxnSpPr>
+          <p:spPr>
+            <a:xfrm>
+              <a:off x="3883978" y="2403475"/>
+              <a:ext cx="709664" cy="261115"/>
+            </a:xfrm>
+            <a:prstGeom prst="line">
+              <a:avLst/>
+            </a:prstGeom>
+          </p:spPr>
+          <p:style>
+            <a:lnRef idx="1">
+              <a:schemeClr val="dk1"/>
+            </a:lnRef>
+            <a:fillRef idx="0">
+              <a:schemeClr val="dk1"/>
+            </a:fillRef>
+            <a:effectRef idx="0">
+              <a:schemeClr val="dk1"/>
+            </a:effectRef>
+            <a:fontRef idx="minor">
+              <a:schemeClr val="tx1"/>
+            </a:fontRef>
+          </p:style>
+        </p:cxnSp>
+        <p:cxnSp>
+          <p:nvCxnSpPr>
+            <p:cNvPr id="21" name="Straight Connector 20"/>
+            <p:cNvCxnSpPr>
+              <a:endCxn id="9" idx="1"/>
+            </p:cNvCxnSpPr>
+            <p:nvPr/>
+          </p:nvCxnSpPr>
+          <p:spPr>
+            <a:xfrm flipV="1">
+              <a:off x="2007547" y="4154805"/>
+              <a:ext cx="1243335" cy="3951"/>
+            </a:xfrm>
+            <a:prstGeom prst="line">
+              <a:avLst/>
+            </a:prstGeom>
+          </p:spPr>
+          <p:style>
+            <a:lnRef idx="1">
+              <a:schemeClr val="dk1"/>
+            </a:lnRef>
+            <a:fillRef idx="0">
+              <a:schemeClr val="dk1"/>
+            </a:fillRef>
+            <a:effectRef idx="0">
+              <a:schemeClr val="dk1"/>
+            </a:effectRef>
+            <a:fontRef idx="minor">
+              <a:schemeClr val="tx1"/>
+            </a:fontRef>
+          </p:style>
+        </p:cxnSp>
+        <p:cxnSp>
+          <p:nvCxnSpPr>
+            <p:cNvPr id="23" name="Straight Connector 22"/>
+            <p:cNvCxnSpPr>
+              <a:endCxn id="7" idx="1"/>
+            </p:cNvCxnSpPr>
+            <p:nvPr/>
+          </p:nvCxnSpPr>
+          <p:spPr>
+            <a:xfrm flipV="1">
+              <a:off x="1757199" y="3603944"/>
+              <a:ext cx="287769" cy="406170"/>
+            </a:xfrm>
+            <a:prstGeom prst="line">
+              <a:avLst/>
+            </a:prstGeom>
+          </p:spPr>
+          <p:style>
+            <a:lnRef idx="1">
+              <a:schemeClr val="dk1"/>
+            </a:lnRef>
+            <a:fillRef idx="0">
+              <a:schemeClr val="dk1"/>
+            </a:fillRef>
+            <a:effectRef idx="0">
+              <a:schemeClr val="dk1"/>
+            </a:effectRef>
+            <a:fontRef idx="minor">
+              <a:schemeClr val="tx1"/>
+            </a:fontRef>
+          </p:style>
+        </p:cxnSp>
+        <p:sp>
+          <p:nvSpPr>
+            <p:cNvPr id="25" name="Oval 24"/>
+            <p:cNvSpPr/>
+            <p:nvPr/>
+          </p:nvSpPr>
+          <p:spPr>
+            <a:xfrm>
+              <a:off x="899244" y="2249389"/>
+              <a:ext cx="1215025" cy="363255"/>
+            </a:xfrm>
+            <a:prstGeom prst="ellipse">
+              <a:avLst/>
+            </a:prstGeom>
+            <a:solidFill>
+              <a:schemeClr val="accent2"/>
+            </a:solidFill>
+          </p:spPr>
+          <p:style>
+            <a:lnRef idx="2">
+              <a:schemeClr val="accent1">
+                <a:shade val="50000"/>
+              </a:schemeClr>
+            </a:lnRef>
+            <a:fillRef idx="1">
+              <a:schemeClr val="accent1"/>
+            </a:fillRef>
+            <a:effectRef idx="0">
+              <a:schemeClr val="accent1"/>
+            </a:effectRef>
+            <a:fontRef idx="minor">
+              <a:schemeClr val="lt1"/>
+            </a:fontRef>
+          </p:style>
+          <p:txBody>
+            <a:bodyPr rtlCol="0" anchor="ctr"/>
+            <a:lstStyle/>
+            <a:p>
+              <a:pPr algn="ctr"/>
+              <a:r>
+                <a:rPr lang="en-US" u="sng" dirty="0" err="1" smtClean="0"/>
+                <a:t>ItemID</a:t>
+              </a:r>
+              <a:endParaRPr lang="en-US" u="sng" dirty="0"/>
+            </a:p>
+          </p:txBody>
+        </p:sp>
+        <p:sp>
+          <p:nvSpPr>
+            <p:cNvPr id="26" name="Oval 25"/>
+            <p:cNvSpPr/>
+            <p:nvPr/>
+          </p:nvSpPr>
+          <p:spPr>
+            <a:xfrm>
+              <a:off x="947966" y="1641112"/>
+              <a:ext cx="1215025" cy="363255"/>
+            </a:xfrm>
+            <a:prstGeom prst="ellipse">
+              <a:avLst/>
+            </a:prstGeom>
+            <a:solidFill>
+              <a:schemeClr val="accent2"/>
+            </a:solidFill>
+          </p:spPr>
+          <p:style>
+            <a:lnRef idx="2">
+              <a:schemeClr val="accent1">
+                <a:shade val="50000"/>
+              </a:schemeClr>
+            </a:lnRef>
+            <a:fillRef idx="1">
+              <a:schemeClr val="accent1"/>
+            </a:fillRef>
+            <a:effectRef idx="0">
+              <a:schemeClr val="accent1"/>
+            </a:effectRef>
+            <a:fontRef idx="minor">
+              <a:schemeClr val="lt1"/>
+            </a:fontRef>
+          </p:style>
+          <p:txBody>
+            <a:bodyPr rtlCol="0" anchor="ctr"/>
+            <a:lstStyle/>
+            <a:p>
+              <a:pPr algn="ctr"/>
+              <a:r>
+                <a:rPr lang="en-US" dirty="0" smtClean="0"/>
+                <a:t>Name</a:t>
+              </a:r>
+              <a:endParaRPr lang="en-US" dirty="0"/>
+            </a:p>
+          </p:txBody>
+        </p:sp>
+        <p:sp>
+          <p:nvSpPr>
+            <p:cNvPr id="27" name="Oval 26"/>
+            <p:cNvSpPr/>
+            <p:nvPr/>
+          </p:nvSpPr>
+          <p:spPr>
+            <a:xfrm>
+              <a:off x="1164487" y="1084289"/>
+              <a:ext cx="1701886" cy="363255"/>
+            </a:xfrm>
+            <a:prstGeom prst="ellipse">
+              <a:avLst/>
+            </a:prstGeom>
+            <a:solidFill>
+              <a:schemeClr val="accent2"/>
+            </a:solidFill>
+          </p:spPr>
+          <p:style>
+            <a:lnRef idx="2">
+              <a:schemeClr val="accent1">
+                <a:shade val="50000"/>
+              </a:schemeClr>
+            </a:lnRef>
+            <a:fillRef idx="1">
+              <a:schemeClr val="accent1"/>
+            </a:fillRef>
+            <a:effectRef idx="0">
+              <a:schemeClr val="accent1"/>
+            </a:effectRef>
+            <a:fontRef idx="minor">
+              <a:schemeClr val="lt1"/>
+            </a:fontRef>
+          </p:style>
+          <p:txBody>
+            <a:bodyPr rtlCol="0" anchor="ctr"/>
+            <a:lstStyle/>
+            <a:p>
+              <a:pPr algn="ctr"/>
+              <a:r>
+                <a:rPr lang="en-US" smtClean="0"/>
+                <a:t>Currently</a:t>
+              </a:r>
+              <a:endParaRPr lang="en-US" dirty="0"/>
+            </a:p>
+          </p:txBody>
+        </p:sp>
+        <p:sp>
+          <p:nvSpPr>
+            <p:cNvPr id="28" name="Oval 27"/>
+            <p:cNvSpPr/>
+            <p:nvPr/>
+          </p:nvSpPr>
+          <p:spPr>
+            <a:xfrm>
+              <a:off x="1927037" y="617509"/>
+              <a:ext cx="1618506" cy="363255"/>
+            </a:xfrm>
+            <a:prstGeom prst="ellipse">
+              <a:avLst/>
+            </a:prstGeom>
+            <a:solidFill>
+              <a:schemeClr val="accent2"/>
+            </a:solidFill>
+          </p:spPr>
+          <p:style>
+            <a:lnRef idx="2">
+              <a:schemeClr val="accent1">
+                <a:shade val="50000"/>
+              </a:schemeClr>
+            </a:lnRef>
+            <a:fillRef idx="1">
+              <a:schemeClr val="accent1"/>
+            </a:fillRef>
+            <a:effectRef idx="0">
+              <a:schemeClr val="accent1"/>
+            </a:effectRef>
+            <a:fontRef idx="minor">
+              <a:schemeClr val="lt1"/>
+            </a:fontRef>
+          </p:style>
+          <p:txBody>
+            <a:bodyPr rtlCol="0" anchor="ctr"/>
+            <a:lstStyle/>
+            <a:p>
+              <a:pPr algn="ctr"/>
+              <a:r>
+                <a:rPr lang="en-US" dirty="0" err="1" smtClean="0"/>
+                <a:t>Buy_Price</a:t>
+              </a:r>
+              <a:endParaRPr lang="en-US" dirty="0"/>
+            </a:p>
+          </p:txBody>
+        </p:sp>
+        <p:sp>
+          <p:nvSpPr>
+            <p:cNvPr id="29" name="Oval 28"/>
+            <p:cNvSpPr/>
+            <p:nvPr/>
+          </p:nvSpPr>
+          <p:spPr>
+            <a:xfrm>
+              <a:off x="2911204" y="255480"/>
+              <a:ext cx="1618506" cy="363255"/>
+            </a:xfrm>
+            <a:prstGeom prst="ellipse">
+              <a:avLst/>
+            </a:prstGeom>
+            <a:solidFill>
+              <a:schemeClr val="accent2"/>
+            </a:solidFill>
+          </p:spPr>
+          <p:style>
+            <a:lnRef idx="2">
+              <a:schemeClr val="accent1">
+                <a:shade val="50000"/>
+              </a:schemeClr>
+            </a:lnRef>
+            <a:fillRef idx="1">
+              <a:schemeClr val="accent1"/>
+            </a:fillRef>
+            <a:effectRef idx="0">
+              <a:schemeClr val="accent1"/>
+            </a:effectRef>
+            <a:fontRef idx="minor">
+              <a:schemeClr val="lt1"/>
+            </a:fontRef>
+          </p:style>
+          <p:txBody>
+            <a:bodyPr rtlCol="0" anchor="ctr"/>
+            <a:lstStyle/>
+            <a:p>
+              <a:pPr algn="ctr"/>
+              <a:r>
+                <a:rPr lang="en-US" dirty="0" err="1" smtClean="0"/>
+                <a:t>First_Bid</a:t>
+              </a:r>
+              <a:endParaRPr lang="en-US" dirty="0"/>
+            </a:p>
+          </p:txBody>
+        </p:sp>
+        <p:sp>
+          <p:nvSpPr>
+            <p:cNvPr id="30" name="Oval 29"/>
+            <p:cNvSpPr/>
+            <p:nvPr/>
+          </p:nvSpPr>
+          <p:spPr>
+            <a:xfrm>
+              <a:off x="4603019" y="225123"/>
+              <a:ext cx="2563052" cy="425010"/>
+            </a:xfrm>
+            <a:prstGeom prst="ellipse">
+              <a:avLst/>
+            </a:prstGeom>
+            <a:solidFill>
+              <a:schemeClr val="accent2"/>
+            </a:solidFill>
+          </p:spPr>
+          <p:style>
+            <a:lnRef idx="2">
+              <a:schemeClr val="accent1">
+                <a:shade val="50000"/>
+              </a:schemeClr>
+            </a:lnRef>
+            <a:fillRef idx="1">
+              <a:schemeClr val="accent1"/>
+            </a:fillRef>
+            <a:effectRef idx="0">
+              <a:schemeClr val="accent1"/>
+            </a:effectRef>
+            <a:fontRef idx="minor">
+              <a:schemeClr val="lt1"/>
+            </a:fontRef>
+          </p:style>
+          <p:txBody>
+            <a:bodyPr rtlCol="0" anchor="ctr"/>
+            <a:lstStyle/>
+            <a:p>
+              <a:pPr algn="ctr"/>
+              <a:r>
+                <a:rPr lang="en-US" smtClean="0"/>
+                <a:t>Number_Of_Bids</a:t>
+              </a:r>
+              <a:endParaRPr lang="en-US" dirty="0"/>
+            </a:p>
+          </p:txBody>
+        </p:sp>
+        <p:sp>
+          <p:nvSpPr>
+            <p:cNvPr id="31" name="Diamond 30"/>
+            <p:cNvSpPr/>
+            <p:nvPr/>
+          </p:nvSpPr>
+          <p:spPr>
+            <a:xfrm>
+              <a:off x="4947495" y="1963039"/>
+              <a:ext cx="1647938" cy="535431"/>
+            </a:xfrm>
+            <a:prstGeom prst="diamond">
+              <a:avLst/>
+            </a:prstGeom>
+            <a:solidFill>
+              <a:schemeClr val="accent6">
+                <a:lumMod val="75000"/>
+              </a:schemeClr>
+            </a:solidFill>
+          </p:spPr>
+          <p:style>
+            <a:lnRef idx="2">
+              <a:schemeClr val="accent1">
+                <a:shade val="50000"/>
+              </a:schemeClr>
+            </a:lnRef>
+            <a:fillRef idx="1">
+              <a:schemeClr val="accent1"/>
+            </a:fillRef>
+            <a:effectRef idx="0">
+              <a:schemeClr val="accent1"/>
+            </a:effectRef>
+            <a:fontRef idx="minor">
+              <a:schemeClr val="lt1"/>
+            </a:fontRef>
+          </p:style>
+          <p:txBody>
+            <a:bodyPr rot="0" spcFirstLastPara="0" vert="horz" wrap="square" lIns="91440" tIns="45720" rIns="91440" bIns="45720" numCol="1" spcCol="0" rtlCol="0" fromWordArt="0" anchor="ctr" anchorCtr="0" forceAA="0" compatLnSpc="1">
+              <a:prstTxWarp prst="textNoShape">
+                <a:avLst/>
+              </a:prstTxWarp>
+              <a:noAutofit/>
+            </a:bodyPr>
+            <a:lstStyle/>
+            <a:p>
+              <a:pPr marL="0" marR="0" algn="ctr">
+                <a:spcBef>
+                  <a:spcPts val="0"/>
+                </a:spcBef>
+                <a:spcAft>
+                  <a:spcPts val="0"/>
+                </a:spcAft>
+              </a:pPr>
+              <a:r>
+                <a:rPr lang="en-US" sz="1200" smtClean="0">
+                  <a:ea typeface="Calibri" charset="0"/>
+                  <a:cs typeface="Times New Roman" charset="0"/>
+                </a:rPr>
+                <a:t>belongTo</a:t>
+              </a:r>
+              <a:endParaRPr lang="en-US" sz="1200" dirty="0">
                 <a:effectLst/>
                 <a:ea typeface="Calibri" charset="0"/>
                 <a:cs typeface="Times New Roman" charset="0"/>
-              </a:rPr>
-              <a:t>Bid</a:t>
-            </a:r>
-          </a:p>
-        </p:txBody>
-      </p:sp>
-      <p:sp>
-        <p:nvSpPr>
-          <p:cNvPr id="6" name="Rectangle 5"/>
-          <p:cNvSpPr/>
-          <p:nvPr/>
-        </p:nvSpPr>
-        <p:spPr>
-          <a:xfrm>
-            <a:off x="5884545" y="3999865"/>
-            <a:ext cx="574675" cy="345440"/>
-          </a:xfrm>
-          <a:prstGeom prst="rect">
-            <a:avLst/>
-          </a:prstGeom>
-          <a:solidFill>
-            <a:schemeClr val="accent1">
-              <a:lumMod val="75000"/>
-            </a:schemeClr>
-          </a:solidFill>
-        </p:spPr>
-        <p:style>
-          <a:lnRef idx="2">
-            <a:schemeClr val="accent1">
-              <a:shade val="50000"/>
-            </a:schemeClr>
-          </a:lnRef>
-          <a:fillRef idx="1">
-            <a:schemeClr val="accent1"/>
-          </a:fillRef>
-          <a:effectRef idx="0">
-            <a:schemeClr val="accent1"/>
-          </a:effectRef>
-          <a:fontRef idx="minor">
-            <a:schemeClr val="lt1"/>
-          </a:fontRef>
-        </p:style>
-        <p:txBody>
-          <a:bodyPr rot="0" spcFirstLastPara="0" vert="horz" wrap="square" lIns="91440" tIns="45720" rIns="91440" bIns="45720" numCol="1" spcCol="0" rtlCol="0" fromWordArt="0" anchor="ctr" anchorCtr="0" forceAA="0" compatLnSpc="1">
-            <a:prstTxWarp prst="textNoShape">
+              </a:endParaRPr>
+            </a:p>
+          </p:txBody>
+        </p:sp>
+        <p:sp>
+          <p:nvSpPr>
+            <p:cNvPr id="33" name="Rectangle 32"/>
+            <p:cNvSpPr/>
+            <p:nvPr/>
+          </p:nvSpPr>
+          <p:spPr>
+            <a:xfrm>
+              <a:off x="7142822" y="2058035"/>
+              <a:ext cx="1774938" cy="345440"/>
+            </a:xfrm>
+            <a:prstGeom prst="rect">
               <a:avLst/>
-            </a:prstTxWarp>
-            <a:noAutofit/>
-          </a:bodyPr>
-          <a:lstStyle/>
-          <a:p>
-            <a:pPr marL="0" marR="0" algn="ctr">
-              <a:spcBef>
-                <a:spcPts val="0"/>
-              </a:spcBef>
-              <a:spcAft>
-                <a:spcPts val="0"/>
-              </a:spcAft>
-            </a:pPr>
-            <a:r>
-              <a:rPr lang="en-US" sz="1200">
+            </a:prstGeom>
+            <a:solidFill>
+              <a:schemeClr val="accent1">
+                <a:lumMod val="75000"/>
+              </a:schemeClr>
+            </a:solidFill>
+          </p:spPr>
+          <p:style>
+            <a:lnRef idx="2">
+              <a:schemeClr val="accent1">
+                <a:shade val="50000"/>
+              </a:schemeClr>
+            </a:lnRef>
+            <a:fillRef idx="1">
+              <a:schemeClr val="accent1"/>
+            </a:fillRef>
+            <a:effectRef idx="0">
+              <a:schemeClr val="accent1"/>
+            </a:effectRef>
+            <a:fontRef idx="minor">
+              <a:schemeClr val="lt1"/>
+            </a:fontRef>
+          </p:style>
+          <p:txBody>
+            <a:bodyPr rot="0" spcFirstLastPara="0" vert="horz" wrap="square" lIns="91440" tIns="45720" rIns="91440" bIns="45720" numCol="1" spcCol="0" rtlCol="0" fromWordArt="0" anchor="ctr" anchorCtr="0" forceAA="0" compatLnSpc="1">
+              <a:prstTxWarp prst="textNoShape">
+                <a:avLst/>
+              </a:prstTxWarp>
+              <a:noAutofit/>
+            </a:bodyPr>
+            <a:lstStyle/>
+            <a:p>
+              <a:pPr marL="0" marR="0" algn="ctr">
+                <a:spcBef>
+                  <a:spcPts val="0"/>
+                </a:spcBef>
+                <a:spcAft>
+                  <a:spcPts val="0"/>
+                </a:spcAft>
+              </a:pPr>
+              <a:r>
+                <a:rPr lang="en-US" sz="1200" smtClean="0">
+                  <a:ea typeface="Calibri" charset="0"/>
+                  <a:cs typeface="Times New Roman" charset="0"/>
+                </a:rPr>
+                <a:t>Category</a:t>
+              </a:r>
+              <a:endParaRPr lang="en-US" sz="1200">
                 <a:effectLst/>
                 <a:ea typeface="Calibri" charset="0"/>
                 <a:cs typeface="Times New Roman" charset="0"/>
-              </a:rPr>
-              <a:t>User</a:t>
-            </a:r>
-          </a:p>
-        </p:txBody>
-      </p:sp>
-      <p:sp>
-        <p:nvSpPr>
-          <p:cNvPr id="7" name="Diamond 6"/>
-          <p:cNvSpPr/>
-          <p:nvPr/>
-        </p:nvSpPr>
-        <p:spPr>
-          <a:xfrm rot="19102674">
-            <a:off x="1870710" y="2860040"/>
-            <a:ext cx="1380490" cy="570865"/>
-          </a:xfrm>
-          <a:prstGeom prst="diamond">
-            <a:avLst/>
-          </a:prstGeom>
-          <a:solidFill>
-            <a:schemeClr val="accent6">
-              <a:lumMod val="75000"/>
-            </a:schemeClr>
-          </a:solidFill>
-        </p:spPr>
-        <p:style>
-          <a:lnRef idx="2">
-            <a:schemeClr val="accent1">
-              <a:shade val="50000"/>
-            </a:schemeClr>
-          </a:lnRef>
-          <a:fillRef idx="1">
-            <a:schemeClr val="accent1"/>
-          </a:fillRef>
-          <a:effectRef idx="0">
-            <a:schemeClr val="accent1"/>
-          </a:effectRef>
-          <a:fontRef idx="minor">
-            <a:schemeClr val="lt1"/>
-          </a:fontRef>
-        </p:style>
-        <p:txBody>
-          <a:bodyPr rot="0" spcFirstLastPara="0" vert="horz" wrap="square" lIns="91440" tIns="45720" rIns="91440" bIns="45720" numCol="1" spcCol="0" rtlCol="0" fromWordArt="0" anchor="ctr" anchorCtr="0" forceAA="0" compatLnSpc="1">
-            <a:prstTxWarp prst="textNoShape">
+              </a:endParaRPr>
+            </a:p>
+          </p:txBody>
+        </p:sp>
+        <p:cxnSp>
+          <p:nvCxnSpPr>
+            <p:cNvPr id="35" name="Straight Connector 34"/>
+            <p:cNvCxnSpPr>
+              <a:stCxn id="31" idx="3"/>
+              <a:endCxn id="33" idx="1"/>
+            </p:cNvCxnSpPr>
+            <p:nvPr/>
+          </p:nvCxnSpPr>
+          <p:spPr>
+            <a:xfrm>
+              <a:off x="6595433" y="2230755"/>
+              <a:ext cx="547389" cy="0"/>
+            </a:xfrm>
+            <a:prstGeom prst="line">
               <a:avLst/>
-            </a:prstTxWarp>
-            <a:noAutofit/>
-          </a:bodyPr>
-          <a:lstStyle/>
-          <a:p>
-            <a:pPr marL="0" marR="0" algn="ctr">
-              <a:spcBef>
-                <a:spcPts val="0"/>
-              </a:spcBef>
-              <a:spcAft>
-                <a:spcPts val="0"/>
-              </a:spcAft>
-            </a:pPr>
-            <a:r>
-              <a:rPr lang="en-US" sz="1200">
-                <a:effectLst/>
-                <a:ea typeface="Calibri" charset="0"/>
-                <a:cs typeface="Times New Roman" charset="0"/>
-              </a:rPr>
-              <a:t>bid</a:t>
-            </a:r>
-          </a:p>
-        </p:txBody>
-      </p:sp>
-      <p:sp>
-        <p:nvSpPr>
-          <p:cNvPr id="8" name="Diamond 7"/>
-          <p:cNvSpPr/>
-          <p:nvPr/>
-        </p:nvSpPr>
-        <p:spPr>
-          <a:xfrm rot="2676246">
-            <a:off x="4394835" y="2863850"/>
-            <a:ext cx="1380490" cy="570865"/>
-          </a:xfrm>
-          <a:prstGeom prst="diamond">
-            <a:avLst/>
-          </a:prstGeom>
-          <a:solidFill>
-            <a:schemeClr val="accent6">
-              <a:lumMod val="75000"/>
-            </a:schemeClr>
-          </a:solidFill>
-        </p:spPr>
-        <p:style>
-          <a:lnRef idx="2">
-            <a:schemeClr val="accent1">
-              <a:shade val="50000"/>
-            </a:schemeClr>
-          </a:lnRef>
-          <a:fillRef idx="1">
-            <a:schemeClr val="accent1"/>
-          </a:fillRef>
-          <a:effectRef idx="0">
-            <a:schemeClr val="accent1"/>
-          </a:effectRef>
-          <a:fontRef idx="minor">
-            <a:schemeClr val="lt1"/>
-          </a:fontRef>
-        </p:style>
-        <p:txBody>
-          <a:bodyPr rot="0" spcFirstLastPara="0" vert="horz" wrap="square" lIns="91440" tIns="45720" rIns="91440" bIns="45720" numCol="1" spcCol="0" rtlCol="0" fromWordArt="0" anchor="ctr" anchorCtr="0" forceAA="0" compatLnSpc="1">
-            <a:prstTxWarp prst="textNoShape">
+            </a:prstGeom>
+          </p:spPr>
+          <p:style>
+            <a:lnRef idx="1">
+              <a:schemeClr val="dk1"/>
+            </a:lnRef>
+            <a:fillRef idx="0">
+              <a:schemeClr val="dk1"/>
+            </a:fillRef>
+            <a:effectRef idx="0">
+              <a:schemeClr val="dk1"/>
+            </a:effectRef>
+            <a:fontRef idx="minor">
+              <a:schemeClr val="tx1"/>
+            </a:fontRef>
+          </p:style>
+        </p:cxnSp>
+        <p:cxnSp>
+          <p:nvCxnSpPr>
+            <p:cNvPr id="38" name="Straight Connector 37"/>
+            <p:cNvCxnSpPr>
+              <a:stCxn id="4" idx="3"/>
+              <a:endCxn id="31" idx="1"/>
+            </p:cNvCxnSpPr>
+            <p:nvPr/>
+          </p:nvCxnSpPr>
+          <p:spPr>
+            <a:xfrm>
+              <a:off x="4171315" y="2230755"/>
+              <a:ext cx="776180" cy="0"/>
+            </a:xfrm>
+            <a:prstGeom prst="line">
               <a:avLst/>
-            </a:prstTxWarp>
-            <a:noAutofit/>
-          </a:bodyPr>
-          <a:lstStyle/>
-          <a:p>
-            <a:pPr marL="0" marR="0" algn="ctr">
-              <a:spcBef>
-                <a:spcPts val="0"/>
-              </a:spcBef>
-              <a:spcAft>
-                <a:spcPts val="0"/>
-              </a:spcAft>
-            </a:pPr>
-            <a:r>
-              <a:rPr lang="en-US" sz="1200">
-                <a:effectLst/>
-                <a:ea typeface="Calibri" charset="0"/>
-                <a:cs typeface="Times New Roman" charset="0"/>
-              </a:rPr>
-              <a:t>seller</a:t>
-            </a:r>
-          </a:p>
-        </p:txBody>
-      </p:sp>
-      <p:sp>
-        <p:nvSpPr>
-          <p:cNvPr id="9" name="Diamond 8"/>
-          <p:cNvSpPr/>
+            </a:prstGeom>
+          </p:spPr>
+          <p:style>
+            <a:lnRef idx="1">
+              <a:schemeClr val="dk1"/>
+            </a:lnRef>
+            <a:fillRef idx="0">
+              <a:schemeClr val="dk1"/>
+            </a:fillRef>
+            <a:effectRef idx="0">
+              <a:schemeClr val="dk1"/>
+            </a:effectRef>
+            <a:fontRef idx="minor">
+              <a:schemeClr val="tx1"/>
+            </a:fontRef>
+          </p:style>
+        </p:cxnSp>
+        <p:cxnSp>
+          <p:nvCxnSpPr>
+            <p:cNvPr id="40" name="Straight Connector 39"/>
+            <p:cNvCxnSpPr>
+              <a:stCxn id="4" idx="0"/>
+              <a:endCxn id="30" idx="2"/>
+            </p:cNvCxnSpPr>
+            <p:nvPr/>
+          </p:nvCxnSpPr>
+          <p:spPr>
+            <a:xfrm flipV="1">
+              <a:off x="3883978" y="437628"/>
+              <a:ext cx="719041" cy="1620407"/>
+            </a:xfrm>
+            <a:prstGeom prst="line">
+              <a:avLst/>
+            </a:prstGeom>
+          </p:spPr>
+          <p:style>
+            <a:lnRef idx="1">
+              <a:schemeClr val="dk1"/>
+            </a:lnRef>
+            <a:fillRef idx="0">
+              <a:schemeClr val="dk1"/>
+            </a:fillRef>
+            <a:effectRef idx="0">
+              <a:schemeClr val="dk1"/>
+            </a:effectRef>
+            <a:fontRef idx="minor">
+              <a:schemeClr val="tx1"/>
+            </a:fontRef>
+          </p:style>
+        </p:cxnSp>
+        <p:cxnSp>
+          <p:nvCxnSpPr>
+            <p:cNvPr id="42" name="Straight Connector 41"/>
+            <p:cNvCxnSpPr/>
+            <p:nvPr/>
+          </p:nvCxnSpPr>
+          <p:spPr>
+            <a:xfrm flipH="1" flipV="1">
+              <a:off x="3664696" y="615547"/>
+              <a:ext cx="105252" cy="1469085"/>
+            </a:xfrm>
+            <a:prstGeom prst="line">
+              <a:avLst/>
+            </a:prstGeom>
+          </p:spPr>
+          <p:style>
+            <a:lnRef idx="1">
+              <a:schemeClr val="dk1"/>
+            </a:lnRef>
+            <a:fillRef idx="0">
+              <a:schemeClr val="dk1"/>
+            </a:fillRef>
+            <a:effectRef idx="0">
+              <a:schemeClr val="dk1"/>
+            </a:effectRef>
+            <a:fontRef idx="minor">
+              <a:schemeClr val="tx1"/>
+            </a:fontRef>
+          </p:style>
+        </p:cxnSp>
+        <p:cxnSp>
+          <p:nvCxnSpPr>
+            <p:cNvPr id="47" name="Straight Connector 46"/>
+            <p:cNvCxnSpPr>
+              <a:endCxn id="28" idx="4"/>
+            </p:cNvCxnSpPr>
+            <p:nvPr/>
+          </p:nvCxnSpPr>
+          <p:spPr>
+            <a:xfrm flipH="1" flipV="1">
+              <a:off x="2736290" y="980764"/>
+              <a:ext cx="946612" cy="1056415"/>
+            </a:xfrm>
+            <a:prstGeom prst="line">
+              <a:avLst/>
+            </a:prstGeom>
+          </p:spPr>
+          <p:style>
+            <a:lnRef idx="1">
+              <a:schemeClr val="dk1"/>
+            </a:lnRef>
+            <a:fillRef idx="0">
+              <a:schemeClr val="dk1"/>
+            </a:fillRef>
+            <a:effectRef idx="0">
+              <a:schemeClr val="dk1"/>
+            </a:effectRef>
+            <a:fontRef idx="minor">
+              <a:schemeClr val="tx1"/>
+            </a:fontRef>
+          </p:style>
+        </p:cxnSp>
+        <p:cxnSp>
+          <p:nvCxnSpPr>
+            <p:cNvPr id="50" name="Straight Connector 49"/>
+            <p:cNvCxnSpPr>
+              <a:endCxn id="27" idx="5"/>
+            </p:cNvCxnSpPr>
+            <p:nvPr/>
+          </p:nvCxnSpPr>
+          <p:spPr>
+            <a:xfrm flipH="1" flipV="1">
+              <a:off x="2617138" y="1394347"/>
+              <a:ext cx="976561" cy="663688"/>
+            </a:xfrm>
+            <a:prstGeom prst="line">
+              <a:avLst/>
+            </a:prstGeom>
+          </p:spPr>
+          <p:style>
+            <a:lnRef idx="1">
+              <a:schemeClr val="dk1"/>
+            </a:lnRef>
+            <a:fillRef idx="0">
+              <a:schemeClr val="dk1"/>
+            </a:fillRef>
+            <a:effectRef idx="0">
+              <a:schemeClr val="dk1"/>
+            </a:effectRef>
+            <a:fontRef idx="minor">
+              <a:schemeClr val="tx1"/>
+            </a:fontRef>
+          </p:style>
+        </p:cxnSp>
+        <p:cxnSp>
+          <p:nvCxnSpPr>
+            <p:cNvPr id="55" name="Straight Connector 54"/>
+            <p:cNvCxnSpPr>
+              <a:endCxn id="26" idx="6"/>
+            </p:cNvCxnSpPr>
+            <p:nvPr/>
+          </p:nvCxnSpPr>
+          <p:spPr>
+            <a:xfrm flipH="1" flipV="1">
+              <a:off x="2162991" y="1822740"/>
+              <a:ext cx="1405881" cy="295896"/>
+            </a:xfrm>
+            <a:prstGeom prst="line">
+              <a:avLst/>
+            </a:prstGeom>
+          </p:spPr>
+          <p:style>
+            <a:lnRef idx="1">
+              <a:schemeClr val="dk1"/>
+            </a:lnRef>
+            <a:fillRef idx="0">
+              <a:schemeClr val="dk1"/>
+            </a:fillRef>
+            <a:effectRef idx="0">
+              <a:schemeClr val="dk1"/>
+            </a:effectRef>
+            <a:fontRef idx="minor">
+              <a:schemeClr val="tx1"/>
+            </a:fontRef>
+          </p:style>
+        </p:cxnSp>
+        <p:cxnSp>
+          <p:nvCxnSpPr>
+            <p:cNvPr id="58" name="Straight Connector 57"/>
+            <p:cNvCxnSpPr>
+              <a:stCxn id="4" idx="1"/>
+            </p:cNvCxnSpPr>
+            <p:nvPr/>
+          </p:nvCxnSpPr>
+          <p:spPr>
+            <a:xfrm flipH="1">
+              <a:off x="2114270" y="2230755"/>
+              <a:ext cx="1482370" cy="192161"/>
+            </a:xfrm>
+            <a:prstGeom prst="line">
+              <a:avLst/>
+            </a:prstGeom>
+          </p:spPr>
+          <p:style>
+            <a:lnRef idx="1">
+              <a:schemeClr val="dk1"/>
+            </a:lnRef>
+            <a:fillRef idx="0">
+              <a:schemeClr val="dk1"/>
+            </a:fillRef>
+            <a:effectRef idx="0">
+              <a:schemeClr val="dk1"/>
+            </a:effectRef>
+            <a:fontRef idx="minor">
+              <a:schemeClr val="tx1"/>
+            </a:fontRef>
+          </p:style>
+        </p:cxnSp>
+        <p:sp>
+          <p:nvSpPr>
+            <p:cNvPr id="63" name="Oval 62"/>
+            <p:cNvSpPr/>
+            <p:nvPr/>
+          </p:nvSpPr>
+          <p:spPr>
+            <a:xfrm>
+              <a:off x="6410366" y="3122393"/>
+              <a:ext cx="1489490" cy="363255"/>
+            </a:xfrm>
+            <a:prstGeom prst="ellipse">
+              <a:avLst/>
+            </a:prstGeom>
+            <a:solidFill>
+              <a:schemeClr val="accent2"/>
+            </a:solidFill>
+          </p:spPr>
+          <p:style>
+            <a:lnRef idx="2">
+              <a:schemeClr val="accent1">
+                <a:shade val="50000"/>
+              </a:schemeClr>
+            </a:lnRef>
+            <a:fillRef idx="1">
+              <a:schemeClr val="accent1"/>
+            </a:fillRef>
+            <a:effectRef idx="0">
+              <a:schemeClr val="accent1"/>
+            </a:effectRef>
+            <a:fontRef idx="minor">
+              <a:schemeClr val="lt1"/>
+            </a:fontRef>
+          </p:style>
+          <p:txBody>
+            <a:bodyPr rtlCol="0" anchor="ctr"/>
+            <a:lstStyle/>
+            <a:p>
+              <a:pPr algn="ctr"/>
+              <a:r>
+                <a:rPr lang="en-US" smtClean="0"/>
+                <a:t>Location</a:t>
+              </a:r>
+              <a:endParaRPr lang="en-US" dirty="0"/>
+            </a:p>
+          </p:txBody>
+        </p:sp>
+        <p:sp>
+          <p:nvSpPr>
+            <p:cNvPr id="64" name="Oval 63"/>
+            <p:cNvSpPr/>
+            <p:nvPr/>
+          </p:nvSpPr>
+          <p:spPr>
+            <a:xfrm>
+              <a:off x="7030261" y="3869372"/>
+              <a:ext cx="1543951" cy="363255"/>
+            </a:xfrm>
+            <a:prstGeom prst="ellipse">
+              <a:avLst/>
+            </a:prstGeom>
+            <a:solidFill>
+              <a:schemeClr val="accent2"/>
+            </a:solidFill>
+          </p:spPr>
+          <p:style>
+            <a:lnRef idx="2">
+              <a:schemeClr val="accent1">
+                <a:shade val="50000"/>
+              </a:schemeClr>
+            </a:lnRef>
+            <a:fillRef idx="1">
+              <a:schemeClr val="accent1"/>
+            </a:fillRef>
+            <a:effectRef idx="0">
+              <a:schemeClr val="accent1"/>
+            </a:effectRef>
+            <a:fontRef idx="minor">
+              <a:schemeClr val="lt1"/>
+            </a:fontRef>
+          </p:style>
+          <p:txBody>
+            <a:bodyPr rtlCol="0" anchor="ctr"/>
+            <a:lstStyle/>
+            <a:p>
+              <a:pPr algn="ctr"/>
+              <a:r>
+                <a:rPr lang="en-US" smtClean="0"/>
+                <a:t>Country</a:t>
+              </a:r>
+              <a:endParaRPr lang="en-US" dirty="0"/>
+            </a:p>
+          </p:txBody>
+        </p:sp>
+        <p:sp>
+          <p:nvSpPr>
+            <p:cNvPr id="66" name="Oval 65"/>
+            <p:cNvSpPr/>
+            <p:nvPr/>
+          </p:nvSpPr>
+          <p:spPr>
+            <a:xfrm>
+              <a:off x="7292343" y="4560494"/>
+              <a:ext cx="1215025" cy="363255"/>
+            </a:xfrm>
+            <a:prstGeom prst="ellipse">
+              <a:avLst/>
+            </a:prstGeom>
+            <a:solidFill>
+              <a:schemeClr val="accent2"/>
+            </a:solidFill>
+          </p:spPr>
+          <p:style>
+            <a:lnRef idx="2">
+              <a:schemeClr val="accent1">
+                <a:shade val="50000"/>
+              </a:schemeClr>
+            </a:lnRef>
+            <a:fillRef idx="1">
+              <a:schemeClr val="accent1"/>
+            </a:fillRef>
+            <a:effectRef idx="0">
+              <a:schemeClr val="accent1"/>
+            </a:effectRef>
+            <a:fontRef idx="minor">
+              <a:schemeClr val="lt1"/>
+            </a:fontRef>
+          </p:style>
+          <p:txBody>
+            <a:bodyPr rtlCol="0" anchor="ctr"/>
+            <a:lstStyle/>
+            <a:p>
+              <a:pPr algn="ctr"/>
+              <a:r>
+                <a:rPr lang="en-US" u="sng" dirty="0" err="1" smtClean="0"/>
+                <a:t>UserID</a:t>
+              </a:r>
+              <a:endParaRPr lang="en-US" u="sng" dirty="0"/>
+            </a:p>
+          </p:txBody>
+        </p:sp>
+        <p:sp>
+          <p:nvSpPr>
+            <p:cNvPr id="67" name="Oval 66"/>
+            <p:cNvSpPr/>
+            <p:nvPr/>
+          </p:nvSpPr>
+          <p:spPr>
+            <a:xfrm>
+              <a:off x="6459220" y="5103796"/>
+              <a:ext cx="1215025" cy="363255"/>
+            </a:xfrm>
+            <a:prstGeom prst="ellipse">
+              <a:avLst/>
+            </a:prstGeom>
+            <a:solidFill>
+              <a:schemeClr val="accent2"/>
+            </a:solidFill>
+          </p:spPr>
+          <p:style>
+            <a:lnRef idx="2">
+              <a:schemeClr val="accent1">
+                <a:shade val="50000"/>
+              </a:schemeClr>
+            </a:lnRef>
+            <a:fillRef idx="1">
+              <a:schemeClr val="accent1"/>
+            </a:fillRef>
+            <a:effectRef idx="0">
+              <a:schemeClr val="accent1"/>
+            </a:effectRef>
+            <a:fontRef idx="minor">
+              <a:schemeClr val="lt1"/>
+            </a:fontRef>
+          </p:style>
+          <p:txBody>
+            <a:bodyPr rtlCol="0" anchor="ctr"/>
+            <a:lstStyle/>
+            <a:p>
+              <a:pPr algn="ctr"/>
+              <a:r>
+                <a:rPr lang="en-US" smtClean="0"/>
+                <a:t>Rating</a:t>
+              </a:r>
+              <a:endParaRPr lang="en-US" dirty="0"/>
+            </a:p>
+          </p:txBody>
+        </p:sp>
+        <p:cxnSp>
+          <p:nvCxnSpPr>
+            <p:cNvPr id="68" name="Straight Connector 67"/>
+            <p:cNvCxnSpPr>
+              <a:stCxn id="63" idx="3"/>
+            </p:cNvCxnSpPr>
+            <p:nvPr/>
+          </p:nvCxnSpPr>
+          <p:spPr>
+            <a:xfrm flipH="1">
+              <a:off x="6230023" y="3432451"/>
+              <a:ext cx="398474" cy="567415"/>
+            </a:xfrm>
+            <a:prstGeom prst="line">
+              <a:avLst/>
+            </a:prstGeom>
+          </p:spPr>
+          <p:style>
+            <a:lnRef idx="1">
+              <a:schemeClr val="dk1"/>
+            </a:lnRef>
+            <a:fillRef idx="0">
+              <a:schemeClr val="dk1"/>
+            </a:fillRef>
+            <a:effectRef idx="0">
+              <a:schemeClr val="dk1"/>
+            </a:effectRef>
+            <a:fontRef idx="minor">
+              <a:schemeClr val="tx1"/>
+            </a:fontRef>
+          </p:style>
+        </p:cxnSp>
+        <p:cxnSp>
+          <p:nvCxnSpPr>
+            <p:cNvPr id="70" name="Straight Connector 69"/>
+            <p:cNvCxnSpPr>
+              <a:stCxn id="64" idx="2"/>
+              <a:endCxn id="6" idx="3"/>
+            </p:cNvCxnSpPr>
+            <p:nvPr/>
+          </p:nvCxnSpPr>
+          <p:spPr>
+            <a:xfrm flipH="1">
+              <a:off x="6459220" y="4051000"/>
+              <a:ext cx="571041" cy="121585"/>
+            </a:xfrm>
+            <a:prstGeom prst="line">
+              <a:avLst/>
+            </a:prstGeom>
+          </p:spPr>
+          <p:style>
+            <a:lnRef idx="1">
+              <a:schemeClr val="dk1"/>
+            </a:lnRef>
+            <a:fillRef idx="0">
+              <a:schemeClr val="dk1"/>
+            </a:fillRef>
+            <a:effectRef idx="0">
+              <a:schemeClr val="dk1"/>
+            </a:effectRef>
+            <a:fontRef idx="minor">
+              <a:schemeClr val="tx1"/>
+            </a:fontRef>
+          </p:style>
+        </p:cxnSp>
+        <p:cxnSp>
+          <p:nvCxnSpPr>
+            <p:cNvPr id="73" name="Straight Connector 72"/>
+            <p:cNvCxnSpPr>
+              <a:stCxn id="66" idx="1"/>
+            </p:cNvCxnSpPr>
+            <p:nvPr/>
+          </p:nvCxnSpPr>
+          <p:spPr>
+            <a:xfrm flipH="1" flipV="1">
+              <a:off x="6459220" y="4345305"/>
+              <a:ext cx="1011059" cy="268386"/>
+            </a:xfrm>
+            <a:prstGeom prst="line">
+              <a:avLst/>
+            </a:prstGeom>
+          </p:spPr>
+          <p:style>
+            <a:lnRef idx="1">
+              <a:schemeClr val="dk1"/>
+            </a:lnRef>
+            <a:fillRef idx="0">
+              <a:schemeClr val="dk1"/>
+            </a:fillRef>
+            <a:effectRef idx="0">
+              <a:schemeClr val="dk1"/>
+            </a:effectRef>
+            <a:fontRef idx="minor">
+              <a:schemeClr val="tx1"/>
+            </a:fontRef>
+          </p:style>
+        </p:cxnSp>
+        <p:cxnSp>
+          <p:nvCxnSpPr>
+            <p:cNvPr id="77" name="Straight Connector 76"/>
+            <p:cNvCxnSpPr>
+              <a:stCxn id="67" idx="1"/>
+            </p:cNvCxnSpPr>
+            <p:nvPr/>
+          </p:nvCxnSpPr>
+          <p:spPr>
+            <a:xfrm flipH="1" flipV="1">
+              <a:off x="6182069" y="4357585"/>
+              <a:ext cx="455087" cy="799408"/>
+            </a:xfrm>
+            <a:prstGeom prst="line">
+              <a:avLst/>
+            </a:prstGeom>
+          </p:spPr>
+          <p:style>
+            <a:lnRef idx="1">
+              <a:schemeClr val="dk1"/>
+            </a:lnRef>
+            <a:fillRef idx="0">
+              <a:schemeClr val="dk1"/>
+            </a:fillRef>
+            <a:effectRef idx="0">
+              <a:schemeClr val="dk1"/>
+            </a:effectRef>
+            <a:fontRef idx="minor">
+              <a:schemeClr val="tx1"/>
+            </a:fontRef>
+          </p:style>
+        </p:cxnSp>
+        <p:sp>
+          <p:nvSpPr>
+            <p:cNvPr id="79" name="Oval 78"/>
+            <p:cNvSpPr/>
+            <p:nvPr/>
+          </p:nvSpPr>
+          <p:spPr>
+            <a:xfrm>
+              <a:off x="21791" y="4076982"/>
+              <a:ext cx="1004747" cy="363255"/>
+            </a:xfrm>
+            <a:prstGeom prst="ellipse">
+              <a:avLst/>
+            </a:prstGeom>
+            <a:solidFill>
+              <a:schemeClr val="accent2"/>
+            </a:solidFill>
+          </p:spPr>
+          <p:style>
+            <a:lnRef idx="2">
+              <a:schemeClr val="accent1">
+                <a:shade val="50000"/>
+              </a:schemeClr>
+            </a:lnRef>
+            <a:fillRef idx="1">
+              <a:schemeClr val="accent1"/>
+            </a:fillRef>
+            <a:effectRef idx="0">
+              <a:schemeClr val="accent1"/>
+            </a:effectRef>
+            <a:fontRef idx="minor">
+              <a:schemeClr val="lt1"/>
+            </a:fontRef>
+          </p:style>
+          <p:txBody>
+            <a:bodyPr rtlCol="0" anchor="ctr"/>
+            <a:lstStyle/>
+            <a:p>
+              <a:pPr algn="ctr"/>
+              <a:r>
+                <a:rPr lang="en-US" dirty="0" smtClean="0"/>
+                <a:t>Time</a:t>
+              </a:r>
+              <a:endParaRPr lang="en-US" dirty="0"/>
+            </a:p>
+          </p:txBody>
+        </p:sp>
+        <p:sp>
+          <p:nvSpPr>
+            <p:cNvPr id="80" name="Oval 79"/>
+            <p:cNvSpPr/>
+            <p:nvPr/>
+          </p:nvSpPr>
+          <p:spPr>
+            <a:xfrm>
+              <a:off x="1129107" y="4943690"/>
+              <a:ext cx="1543951" cy="363255"/>
+            </a:xfrm>
+            <a:prstGeom prst="ellipse">
+              <a:avLst/>
+            </a:prstGeom>
+            <a:solidFill>
+              <a:schemeClr val="accent2"/>
+            </a:solidFill>
+          </p:spPr>
+          <p:style>
+            <a:lnRef idx="2">
+              <a:schemeClr val="accent1">
+                <a:shade val="50000"/>
+              </a:schemeClr>
+            </a:lnRef>
+            <a:fillRef idx="1">
+              <a:schemeClr val="accent1"/>
+            </a:fillRef>
+            <a:effectRef idx="0">
+              <a:schemeClr val="accent1"/>
+            </a:effectRef>
+            <a:fontRef idx="minor">
+              <a:schemeClr val="lt1"/>
+            </a:fontRef>
+          </p:style>
+          <p:txBody>
+            <a:bodyPr rtlCol="0" anchor="ctr"/>
+            <a:lstStyle/>
+            <a:p>
+              <a:pPr algn="ctr"/>
+              <a:r>
+                <a:rPr lang="en-US" dirty="0" smtClean="0"/>
+                <a:t>Amount</a:t>
+              </a:r>
+              <a:endParaRPr lang="en-US" dirty="0"/>
+            </a:p>
+          </p:txBody>
+        </p:sp>
+        <p:cxnSp>
+          <p:nvCxnSpPr>
+            <p:cNvPr id="81" name="Straight Connector 80"/>
+            <p:cNvCxnSpPr>
+              <a:stCxn id="80" idx="0"/>
+            </p:cNvCxnSpPr>
+            <p:nvPr/>
+          </p:nvCxnSpPr>
+          <p:spPr>
+            <a:xfrm flipH="1" flipV="1">
+              <a:off x="1700186" y="4352035"/>
+              <a:ext cx="200897" cy="591655"/>
+            </a:xfrm>
+            <a:prstGeom prst="line">
+              <a:avLst/>
+            </a:prstGeom>
+          </p:spPr>
+          <p:style>
+            <a:lnRef idx="1">
+              <a:schemeClr val="dk1"/>
+            </a:lnRef>
+            <a:fillRef idx="0">
+              <a:schemeClr val="dk1"/>
+            </a:fillRef>
+            <a:effectRef idx="0">
+              <a:schemeClr val="dk1"/>
+            </a:effectRef>
+            <a:fontRef idx="minor">
+              <a:schemeClr val="tx1"/>
+            </a:fontRef>
+          </p:style>
+        </p:cxnSp>
+        <p:cxnSp>
+          <p:nvCxnSpPr>
+            <p:cNvPr id="83" name="Straight Connector 82"/>
+            <p:cNvCxnSpPr>
+              <a:stCxn id="5" idx="1"/>
+            </p:cNvCxnSpPr>
+            <p:nvPr/>
+          </p:nvCxnSpPr>
+          <p:spPr>
+            <a:xfrm flipH="1">
+              <a:off x="1026539" y="4175760"/>
+              <a:ext cx="396496" cy="64124"/>
+            </a:xfrm>
+            <a:prstGeom prst="line">
+              <a:avLst/>
+            </a:prstGeom>
+          </p:spPr>
+          <p:style>
+            <a:lnRef idx="1">
+              <a:schemeClr val="dk1"/>
+            </a:lnRef>
+            <a:fillRef idx="0">
+              <a:schemeClr val="dk1"/>
+            </a:fillRef>
+            <a:effectRef idx="0">
+              <a:schemeClr val="dk1"/>
+            </a:effectRef>
+            <a:fontRef idx="minor">
+              <a:schemeClr val="tx1"/>
+            </a:fontRef>
+          </p:style>
+        </p:cxnSp>
+        <p:sp>
+          <p:nvSpPr>
+            <p:cNvPr id="85" name="Oval 84"/>
+            <p:cNvSpPr/>
+            <p:nvPr/>
+          </p:nvSpPr>
+          <p:spPr>
+            <a:xfrm>
+              <a:off x="8316511" y="2673662"/>
+              <a:ext cx="1579051" cy="363255"/>
+            </a:xfrm>
+            <a:prstGeom prst="ellipse">
+              <a:avLst/>
+            </a:prstGeom>
+            <a:solidFill>
+              <a:schemeClr val="accent2"/>
+            </a:solidFill>
+          </p:spPr>
+          <p:style>
+            <a:lnRef idx="2">
+              <a:schemeClr val="accent1">
+                <a:shade val="50000"/>
+              </a:schemeClr>
+            </a:lnRef>
+            <a:fillRef idx="1">
+              <a:schemeClr val="accent1"/>
+            </a:fillRef>
+            <a:effectRef idx="0">
+              <a:schemeClr val="accent1"/>
+            </a:effectRef>
+            <a:fontRef idx="minor">
+              <a:schemeClr val="lt1"/>
+            </a:fontRef>
+          </p:style>
+          <p:txBody>
+            <a:bodyPr rtlCol="0" anchor="ctr"/>
+            <a:lstStyle/>
+            <a:p>
+              <a:pPr algn="ctr"/>
+              <a:r>
+                <a:rPr lang="en-US" u="sng" smtClean="0"/>
+                <a:t>Category</a:t>
+              </a:r>
+              <a:endParaRPr lang="en-US" u="sng" dirty="0"/>
+            </a:p>
+          </p:txBody>
+        </p:sp>
+        <p:cxnSp>
+          <p:nvCxnSpPr>
+            <p:cNvPr id="86" name="Straight Connector 85"/>
+            <p:cNvCxnSpPr>
+              <a:stCxn id="33" idx="2"/>
+              <a:endCxn id="85" idx="0"/>
+            </p:cNvCxnSpPr>
+            <p:nvPr/>
+          </p:nvCxnSpPr>
+          <p:spPr>
+            <a:xfrm>
+              <a:off x="8030291" y="2403475"/>
+              <a:ext cx="1075746" cy="270187"/>
+            </a:xfrm>
+            <a:prstGeom prst="line">
+              <a:avLst/>
+            </a:prstGeom>
+          </p:spPr>
+          <p:style>
+            <a:lnRef idx="1">
+              <a:schemeClr val="dk1"/>
+            </a:lnRef>
+            <a:fillRef idx="0">
+              <a:schemeClr val="dk1"/>
+            </a:fillRef>
+            <a:effectRef idx="0">
+              <a:schemeClr val="dk1"/>
+            </a:effectRef>
+            <a:fontRef idx="minor">
+              <a:schemeClr val="tx1"/>
+            </a:fontRef>
+          </p:style>
+        </p:cxnSp>
+        <p:sp>
+          <p:nvSpPr>
+            <p:cNvPr id="45" name="Oval 44"/>
+            <p:cNvSpPr/>
+            <p:nvPr/>
+          </p:nvSpPr>
+          <p:spPr>
+            <a:xfrm>
+              <a:off x="5324696" y="718815"/>
+              <a:ext cx="1303801" cy="363255"/>
+            </a:xfrm>
+            <a:prstGeom prst="ellipse">
+              <a:avLst/>
+            </a:prstGeom>
+            <a:solidFill>
+              <a:schemeClr val="accent2"/>
+            </a:solidFill>
+          </p:spPr>
+          <p:style>
+            <a:lnRef idx="2">
+              <a:schemeClr val="accent1">
+                <a:shade val="50000"/>
+              </a:schemeClr>
+            </a:lnRef>
+            <a:fillRef idx="1">
+              <a:schemeClr val="accent1"/>
+            </a:fillRef>
+            <a:effectRef idx="0">
+              <a:schemeClr val="accent1"/>
+            </a:effectRef>
+            <a:fontRef idx="minor">
+              <a:schemeClr val="lt1"/>
+            </a:fontRef>
+          </p:style>
+          <p:txBody>
+            <a:bodyPr rtlCol="0" anchor="ctr"/>
+            <a:lstStyle/>
+            <a:p>
+              <a:pPr algn="ctr"/>
+              <a:r>
+                <a:rPr lang="en-US" dirty="0" smtClean="0"/>
+                <a:t>Started</a:t>
+              </a:r>
+              <a:endParaRPr lang="en-US" dirty="0"/>
+            </a:p>
+          </p:txBody>
+        </p:sp>
+        <p:sp>
+          <p:nvSpPr>
+            <p:cNvPr id="48" name="Oval 47"/>
+            <p:cNvSpPr/>
+            <p:nvPr/>
+          </p:nvSpPr>
+          <p:spPr>
+            <a:xfrm>
+              <a:off x="5585904" y="1250076"/>
+              <a:ext cx="1215025" cy="363255"/>
+            </a:xfrm>
+            <a:prstGeom prst="ellipse">
+              <a:avLst/>
+            </a:prstGeom>
+            <a:solidFill>
+              <a:schemeClr val="accent2"/>
+            </a:solidFill>
+          </p:spPr>
+          <p:style>
+            <a:lnRef idx="2">
+              <a:schemeClr val="accent1">
+                <a:shade val="50000"/>
+              </a:schemeClr>
+            </a:lnRef>
+            <a:fillRef idx="1">
+              <a:schemeClr val="accent1"/>
+            </a:fillRef>
+            <a:effectRef idx="0">
+              <a:schemeClr val="accent1"/>
+            </a:effectRef>
+            <a:fontRef idx="minor">
+              <a:schemeClr val="lt1"/>
+            </a:fontRef>
+          </p:style>
+          <p:txBody>
+            <a:bodyPr rtlCol="0" anchor="ctr"/>
+            <a:lstStyle/>
+            <a:p>
+              <a:pPr algn="ctr"/>
+              <a:r>
+                <a:rPr lang="en-US" dirty="0" smtClean="0"/>
+                <a:t>Ends</a:t>
+              </a:r>
+              <a:endParaRPr lang="en-US" dirty="0"/>
+            </a:p>
+          </p:txBody>
+        </p:sp>
+        <p:sp>
+          <p:nvSpPr>
+            <p:cNvPr id="49" name="Oval 48"/>
+            <p:cNvSpPr/>
+            <p:nvPr/>
+          </p:nvSpPr>
+          <p:spPr>
+            <a:xfrm>
+              <a:off x="5842608" y="1666456"/>
+              <a:ext cx="1787647" cy="363255"/>
+            </a:xfrm>
+            <a:prstGeom prst="ellipse">
+              <a:avLst/>
+            </a:prstGeom>
+            <a:solidFill>
+              <a:schemeClr val="accent2"/>
+            </a:solidFill>
+          </p:spPr>
+          <p:style>
+            <a:lnRef idx="2">
+              <a:schemeClr val="accent1">
+                <a:shade val="50000"/>
+              </a:schemeClr>
+            </a:lnRef>
+            <a:fillRef idx="1">
+              <a:schemeClr val="accent1"/>
+            </a:fillRef>
+            <a:effectRef idx="0">
+              <a:schemeClr val="accent1"/>
+            </a:effectRef>
+            <a:fontRef idx="minor">
+              <a:schemeClr val="lt1"/>
+            </a:fontRef>
+          </p:style>
+          <p:txBody>
+            <a:bodyPr rtlCol="0" anchor="ctr"/>
+            <a:lstStyle/>
+            <a:p>
+              <a:pPr algn="ctr"/>
+              <a:r>
+                <a:rPr lang="en-US" smtClean="0"/>
+                <a:t>Description</a:t>
+              </a:r>
+              <a:endParaRPr lang="en-US" dirty="0"/>
+            </a:p>
+          </p:txBody>
+        </p:sp>
+        <p:cxnSp>
+          <p:nvCxnSpPr>
+            <p:cNvPr id="61" name="Straight Connector 60"/>
+            <p:cNvCxnSpPr/>
+            <p:nvPr/>
+          </p:nvCxnSpPr>
+          <p:spPr>
+            <a:xfrm flipV="1">
+              <a:off x="4085489" y="1012536"/>
+              <a:ext cx="1406310" cy="1039145"/>
+            </a:xfrm>
+            <a:prstGeom prst="line">
+              <a:avLst/>
+            </a:prstGeom>
+          </p:spPr>
+          <p:style>
+            <a:lnRef idx="1">
+              <a:schemeClr val="dk1"/>
+            </a:lnRef>
+            <a:fillRef idx="0">
+              <a:schemeClr val="dk1"/>
+            </a:fillRef>
+            <a:effectRef idx="0">
+              <a:schemeClr val="dk1"/>
+            </a:effectRef>
+            <a:fontRef idx="minor">
+              <a:schemeClr val="tx1"/>
+            </a:fontRef>
+          </p:style>
+        </p:cxnSp>
+        <p:cxnSp>
+          <p:nvCxnSpPr>
+            <p:cNvPr id="62" name="Straight Connector 61"/>
+            <p:cNvCxnSpPr>
+              <a:endCxn id="48" idx="2"/>
+            </p:cNvCxnSpPr>
+            <p:nvPr/>
+          </p:nvCxnSpPr>
+          <p:spPr>
+            <a:xfrm flipV="1">
+              <a:off x="4166367" y="1431704"/>
+              <a:ext cx="1419537" cy="630277"/>
+            </a:xfrm>
+            <a:prstGeom prst="line">
+              <a:avLst/>
+            </a:prstGeom>
+          </p:spPr>
+          <p:style>
+            <a:lnRef idx="1">
+              <a:schemeClr val="dk1"/>
+            </a:lnRef>
+            <a:fillRef idx="0">
+              <a:schemeClr val="dk1"/>
+            </a:fillRef>
+            <a:effectRef idx="0">
+              <a:schemeClr val="dk1"/>
+            </a:effectRef>
+            <a:fontRef idx="minor">
+              <a:schemeClr val="tx1"/>
+            </a:fontRef>
+          </p:style>
+        </p:cxnSp>
+        <p:cxnSp>
+          <p:nvCxnSpPr>
+            <p:cNvPr id="65" name="Straight Connector 64"/>
+            <p:cNvCxnSpPr>
+              <a:endCxn id="49" idx="2"/>
+            </p:cNvCxnSpPr>
+            <p:nvPr/>
+          </p:nvCxnSpPr>
+          <p:spPr>
+            <a:xfrm flipV="1">
+              <a:off x="4157970" y="1848084"/>
+              <a:ext cx="1684638" cy="270552"/>
+            </a:xfrm>
+            <a:prstGeom prst="line">
+              <a:avLst/>
+            </a:prstGeom>
+          </p:spPr>
+          <p:style>
+            <a:lnRef idx="1">
+              <a:schemeClr val="dk1"/>
+            </a:lnRef>
+            <a:fillRef idx="0">
+              <a:schemeClr val="dk1"/>
+            </a:fillRef>
+            <a:effectRef idx="0">
+              <a:schemeClr val="dk1"/>
+            </a:effectRef>
+            <a:fontRef idx="minor">
+              <a:schemeClr val="tx1"/>
+            </a:fontRef>
+          </p:style>
+        </p:cxnSp>
+      </p:grpSp>
+      <p:sp>
+        <p:nvSpPr>
+          <p:cNvPr id="3" name="TextBox 2"/>
+          <p:cNvSpPr txBox="1"/>
           <p:nvPr/>
         </p:nvSpPr>
         <p:spPr>
           <a:xfrm>
-            <a:off x="3250882" y="3869372"/>
-            <a:ext cx="1380490" cy="570865"/>
-          </a:xfrm>
-          <a:prstGeom prst="diamond">
-            <a:avLst/>
-          </a:prstGeom>
-          <a:solidFill>
-            <a:schemeClr val="accent6">
-              <a:lumMod val="75000"/>
-            </a:schemeClr>
-          </a:solidFill>
-        </p:spPr>
-        <p:style>
-          <a:lnRef idx="2">
-            <a:schemeClr val="accent1">
-              <a:shade val="50000"/>
-            </a:schemeClr>
-          </a:lnRef>
-          <a:fillRef idx="1">
-            <a:schemeClr val="accent1"/>
-          </a:fillRef>
-          <a:effectRef idx="0">
-            <a:schemeClr val="accent1"/>
-          </a:effectRef>
-          <a:fontRef idx="minor">
-            <a:schemeClr val="lt1"/>
-          </a:fontRef>
-        </p:style>
-        <p:txBody>
-          <a:bodyPr rot="0" spcFirstLastPara="0" vert="horz" wrap="square" lIns="91440" tIns="45720" rIns="91440" bIns="45720" numCol="1" spcCol="0" rtlCol="0" fromWordArt="0" anchor="ctr" anchorCtr="0" forceAA="0" compatLnSpc="1">
-            <a:prstTxWarp prst="textNoShape">
-              <a:avLst/>
-            </a:prstTxWarp>
-            <a:noAutofit/>
-          </a:bodyPr>
-          <a:lstStyle/>
-          <a:p>
-            <a:pPr marL="0" marR="0" algn="ctr">
-              <a:spcBef>
-                <a:spcPts val="0"/>
-              </a:spcBef>
-              <a:spcAft>
-                <a:spcPts val="0"/>
-              </a:spcAft>
-            </a:pPr>
-            <a:r>
-              <a:rPr lang="en-US" sz="1200" dirty="0" smtClean="0">
-                <a:effectLst/>
-                <a:ea typeface="Calibri" charset="0"/>
-                <a:cs typeface="Times New Roman" charset="0"/>
-              </a:rPr>
-              <a:t>bidder</a:t>
-            </a:r>
-            <a:endParaRPr lang="en-US" sz="1200" dirty="0">
-              <a:effectLst/>
-              <a:ea typeface="Calibri" charset="0"/>
-              <a:cs typeface="Times New Roman" charset="0"/>
-            </a:endParaRPr>
-          </a:p>
-        </p:txBody>
-      </p:sp>
-      <p:cxnSp>
-        <p:nvCxnSpPr>
-          <p:cNvPr id="10" name="Straight Arrow Connector 9"/>
-          <p:cNvCxnSpPr>
-            <a:stCxn id="7" idx="3"/>
-          </p:cNvCxnSpPr>
-          <p:nvPr/>
-        </p:nvCxnSpPr>
-        <p:spPr>
-          <a:xfrm flipV="1">
-            <a:off x="3076942" y="2402840"/>
-            <a:ext cx="745758" cy="284162"/>
-          </a:xfrm>
-          <a:prstGeom prst="straightConnector1">
-            <a:avLst/>
-          </a:prstGeom>
-          <a:ln>
-            <a:tailEnd type="triangle"/>
-          </a:ln>
-        </p:spPr>
-        <p:style>
-          <a:lnRef idx="1">
-            <a:schemeClr val="dk1"/>
-          </a:lnRef>
-          <a:fillRef idx="0">
-            <a:schemeClr val="dk1"/>
-          </a:fillRef>
-          <a:effectRef idx="0">
-            <a:schemeClr val="dk1"/>
-          </a:effectRef>
-          <a:fontRef idx="minor">
-            <a:schemeClr val="tx1"/>
-          </a:fontRef>
-        </p:style>
-      </p:cxnSp>
-      <p:cxnSp>
-        <p:nvCxnSpPr>
-          <p:cNvPr id="11" name="Straight Arrow Connector 10"/>
-          <p:cNvCxnSpPr>
-            <a:stCxn id="8" idx="3"/>
-          </p:cNvCxnSpPr>
-          <p:nvPr/>
-        </p:nvCxnSpPr>
-        <p:spPr>
-          <a:xfrm>
-            <a:off x="5576517" y="3633976"/>
-            <a:ext cx="532183" cy="368429"/>
-          </a:xfrm>
-          <a:prstGeom prst="straightConnector1">
-            <a:avLst/>
-          </a:prstGeom>
-          <a:ln>
-            <a:tailEnd type="triangle"/>
-          </a:ln>
-        </p:spPr>
-        <p:style>
-          <a:lnRef idx="1">
-            <a:schemeClr val="dk1"/>
-          </a:lnRef>
-          <a:fillRef idx="0">
-            <a:schemeClr val="dk1"/>
-          </a:fillRef>
-          <a:effectRef idx="0">
-            <a:schemeClr val="dk1"/>
-          </a:effectRef>
-          <a:fontRef idx="minor">
-            <a:schemeClr val="tx1"/>
-          </a:fontRef>
-        </p:style>
-      </p:cxnSp>
-      <p:sp>
-        <p:nvSpPr>
-          <p:cNvPr id="12" name="Rectangle 9"/>
-          <p:cNvSpPr>
-            <a:spLocks noChangeArrowheads="1"/>
-          </p:cNvSpPr>
-          <p:nvPr/>
-        </p:nvSpPr>
-        <p:spPr bwMode="auto">
-          <a:xfrm>
-            <a:off x="-725022" y="-123385"/>
-            <a:ext cx="12192000" cy="457200"/>
+            <a:off x="11904133" y="5808133"/>
+            <a:ext cx="184731" cy="369332"/>
           </a:xfrm>
           <a:prstGeom prst="rect">
             <a:avLst/>
           </a:prstGeom>
           <a:noFill/>
-          <a:ln>
-            <a:noFill/>
-          </a:ln>
-          <a:effectLst/>
-          <a:extLst>
-            <a:ext uri="{909E8E84-426E-40DD-AFC4-6F175D3DCCD1}">
-              <a14:hiddenFill xmlns:a14="http://schemas.microsoft.com/office/drawing/2010/main">
-                <a:solidFill>
-                  <a:schemeClr val="accent1"/>
-                </a:solidFill>
-              </a14:hiddenFill>
-            </a:ext>
-            <a:ext uri="{91240B29-F687-4F45-9708-019B960494DF}">
-              <a14:hiddenLine xmlns:a14="http://schemas.microsoft.com/office/drawing/2010/main" w="9525">
-                <a:solidFill>
-                  <a:schemeClr val="tx1"/>
-                </a:solidFill>
-                <a:miter lim="800000"/>
-                <a:headEnd/>
-                <a:tailEnd/>
-              </a14:hiddenLine>
-            </a:ext>
-            <a:ext uri="{AF507438-7753-43E0-B8FC-AC1667EBCBE1}">
-              <a14:hiddenEffects xmlns:a14="http://schemas.microsoft.com/office/drawing/2010/main">
-                <a:effectLst>
-                  <a:outerShdw blurRad="63500" dist="38099" dir="2700000" algn="ctr" rotWithShape="0">
-                    <a:schemeClr val="bg2">
-                      <a:alpha val="74998"/>
-                    </a:schemeClr>
-                  </a:outerShdw>
-                </a:effectLst>
-              </a14:hiddenEffects>
-            </a:ext>
-          </a:extLst>
         </p:spPr>
         <p:txBody>
-          <a:bodyPr vert="horz" wrap="none" lIns="91440" tIns="45720" rIns="91440" bIns="45720" numCol="1" anchor="ctr" anchorCtr="0" compatLnSpc="1">
-            <a:prstTxWarp prst="textNoShape">
-              <a:avLst/>
-            </a:prstTxWarp>
+          <a:bodyPr wrap="none" rtlCol="0">
             <a:spAutoFit/>
           </a:bodyPr>
           <a:lstStyle/>
@@ -3488,1370 +5066,6 @@
           </a:p>
         </p:txBody>
       </p:sp>
-      <p:cxnSp>
-        <p:nvCxnSpPr>
-          <p:cNvPr id="15" name="Straight Arrow Connector 14"/>
-          <p:cNvCxnSpPr>
-            <a:endCxn id="6" idx="1"/>
-          </p:cNvCxnSpPr>
-          <p:nvPr/>
-        </p:nvCxnSpPr>
-        <p:spPr>
-          <a:xfrm>
-            <a:off x="4641209" y="4146362"/>
-            <a:ext cx="1243336" cy="26223"/>
-          </a:xfrm>
-          <a:prstGeom prst="straightConnector1">
-            <a:avLst/>
-          </a:prstGeom>
-          <a:ln>
-            <a:tailEnd type="triangle"/>
-          </a:ln>
-        </p:spPr>
-        <p:style>
-          <a:lnRef idx="1">
-            <a:schemeClr val="dk1"/>
-          </a:lnRef>
-          <a:fillRef idx="0">
-            <a:schemeClr val="dk1"/>
-          </a:fillRef>
-          <a:effectRef idx="0">
-            <a:schemeClr val="dk1"/>
-          </a:effectRef>
-          <a:fontRef idx="minor">
-            <a:schemeClr val="tx1"/>
-          </a:fontRef>
-        </p:style>
-      </p:cxnSp>
-      <p:cxnSp>
-        <p:nvCxnSpPr>
-          <p:cNvPr id="19" name="Straight Connector 18"/>
-          <p:cNvCxnSpPr>
-            <a:stCxn id="4" idx="2"/>
-            <a:endCxn id="8" idx="1"/>
-          </p:cNvCxnSpPr>
-          <p:nvPr/>
-        </p:nvCxnSpPr>
-        <p:spPr>
-          <a:xfrm>
-            <a:off x="3883978" y="2403475"/>
-            <a:ext cx="709664" cy="261115"/>
-          </a:xfrm>
-          <a:prstGeom prst="line">
-            <a:avLst/>
-          </a:prstGeom>
-        </p:spPr>
-        <p:style>
-          <a:lnRef idx="1">
-            <a:schemeClr val="dk1"/>
-          </a:lnRef>
-          <a:fillRef idx="0">
-            <a:schemeClr val="dk1"/>
-          </a:fillRef>
-          <a:effectRef idx="0">
-            <a:schemeClr val="dk1"/>
-          </a:effectRef>
-          <a:fontRef idx="minor">
-            <a:schemeClr val="tx1"/>
-          </a:fontRef>
-        </p:style>
-      </p:cxnSp>
-      <p:cxnSp>
-        <p:nvCxnSpPr>
-          <p:cNvPr id="21" name="Straight Connector 20"/>
-          <p:cNvCxnSpPr>
-            <a:endCxn id="9" idx="1"/>
-          </p:cNvCxnSpPr>
-          <p:nvPr/>
-        </p:nvCxnSpPr>
-        <p:spPr>
-          <a:xfrm flipV="1">
-            <a:off x="2007547" y="4154805"/>
-            <a:ext cx="1243335" cy="3951"/>
-          </a:xfrm>
-          <a:prstGeom prst="line">
-            <a:avLst/>
-          </a:prstGeom>
-        </p:spPr>
-        <p:style>
-          <a:lnRef idx="1">
-            <a:schemeClr val="dk1"/>
-          </a:lnRef>
-          <a:fillRef idx="0">
-            <a:schemeClr val="dk1"/>
-          </a:fillRef>
-          <a:effectRef idx="0">
-            <a:schemeClr val="dk1"/>
-          </a:effectRef>
-          <a:fontRef idx="minor">
-            <a:schemeClr val="tx1"/>
-          </a:fontRef>
-        </p:style>
-      </p:cxnSp>
-      <p:cxnSp>
-        <p:nvCxnSpPr>
-          <p:cNvPr id="23" name="Straight Connector 22"/>
-          <p:cNvCxnSpPr>
-            <a:endCxn id="7" idx="1"/>
-          </p:cNvCxnSpPr>
-          <p:nvPr/>
-        </p:nvCxnSpPr>
-        <p:spPr>
-          <a:xfrm flipV="1">
-            <a:off x="1757199" y="3603944"/>
-            <a:ext cx="287769" cy="406170"/>
-          </a:xfrm>
-          <a:prstGeom prst="line">
-            <a:avLst/>
-          </a:prstGeom>
-        </p:spPr>
-        <p:style>
-          <a:lnRef idx="1">
-            <a:schemeClr val="dk1"/>
-          </a:lnRef>
-          <a:fillRef idx="0">
-            <a:schemeClr val="dk1"/>
-          </a:fillRef>
-          <a:effectRef idx="0">
-            <a:schemeClr val="dk1"/>
-          </a:effectRef>
-          <a:fontRef idx="minor">
-            <a:schemeClr val="tx1"/>
-          </a:fontRef>
-        </p:style>
-      </p:cxnSp>
-      <p:sp>
-        <p:nvSpPr>
-          <p:cNvPr id="25" name="Oval 24"/>
-          <p:cNvSpPr/>
-          <p:nvPr/>
-        </p:nvSpPr>
-        <p:spPr>
-          <a:xfrm>
-            <a:off x="900167" y="2038027"/>
-            <a:ext cx="1215025" cy="363255"/>
-          </a:xfrm>
-          <a:prstGeom prst="ellipse">
-            <a:avLst/>
-          </a:prstGeom>
-          <a:solidFill>
-            <a:schemeClr val="accent2"/>
-          </a:solidFill>
-        </p:spPr>
-        <p:style>
-          <a:lnRef idx="2">
-            <a:schemeClr val="accent1">
-              <a:shade val="50000"/>
-            </a:schemeClr>
-          </a:lnRef>
-          <a:fillRef idx="1">
-            <a:schemeClr val="accent1"/>
-          </a:fillRef>
-          <a:effectRef idx="0">
-            <a:schemeClr val="accent1"/>
-          </a:effectRef>
-          <a:fontRef idx="minor">
-            <a:schemeClr val="lt1"/>
-          </a:fontRef>
-        </p:style>
-        <p:txBody>
-          <a:bodyPr rtlCol="0" anchor="ctr"/>
-          <a:lstStyle/>
-          <a:p>
-            <a:pPr algn="ctr"/>
-            <a:r>
-              <a:rPr lang="en-US" u="sng" dirty="0" err="1" smtClean="0"/>
-              <a:t>ItemID</a:t>
-            </a:r>
-            <a:endParaRPr lang="en-US" u="sng" dirty="0"/>
-          </a:p>
-        </p:txBody>
-      </p:sp>
-      <p:sp>
-        <p:nvSpPr>
-          <p:cNvPr id="26" name="Oval 25"/>
-          <p:cNvSpPr/>
-          <p:nvPr/>
-        </p:nvSpPr>
-        <p:spPr>
-          <a:xfrm>
-            <a:off x="1102859" y="1320460"/>
-            <a:ext cx="1215025" cy="363255"/>
-          </a:xfrm>
-          <a:prstGeom prst="ellipse">
-            <a:avLst/>
-          </a:prstGeom>
-          <a:solidFill>
-            <a:schemeClr val="accent2"/>
-          </a:solidFill>
-        </p:spPr>
-        <p:style>
-          <a:lnRef idx="2">
-            <a:schemeClr val="accent1">
-              <a:shade val="50000"/>
-            </a:schemeClr>
-          </a:lnRef>
-          <a:fillRef idx="1">
-            <a:schemeClr val="accent1"/>
-          </a:fillRef>
-          <a:effectRef idx="0">
-            <a:schemeClr val="accent1"/>
-          </a:effectRef>
-          <a:fontRef idx="minor">
-            <a:schemeClr val="lt1"/>
-          </a:fontRef>
-        </p:style>
-        <p:txBody>
-          <a:bodyPr rtlCol="0" anchor="ctr"/>
-          <a:lstStyle/>
-          <a:p>
-            <a:pPr algn="ctr"/>
-            <a:r>
-              <a:rPr lang="en-US" dirty="0" smtClean="0"/>
-              <a:t>Name</a:t>
-            </a:r>
-            <a:endParaRPr lang="en-US" dirty="0"/>
-          </a:p>
-        </p:txBody>
-      </p:sp>
-      <p:sp>
-        <p:nvSpPr>
-          <p:cNvPr id="27" name="Oval 26"/>
-          <p:cNvSpPr/>
-          <p:nvPr/>
-        </p:nvSpPr>
-        <p:spPr>
-          <a:xfrm>
-            <a:off x="1655806" y="668835"/>
-            <a:ext cx="1701886" cy="363255"/>
-          </a:xfrm>
-          <a:prstGeom prst="ellipse">
-            <a:avLst/>
-          </a:prstGeom>
-          <a:solidFill>
-            <a:schemeClr val="accent2"/>
-          </a:solidFill>
-        </p:spPr>
-        <p:style>
-          <a:lnRef idx="2">
-            <a:schemeClr val="accent1">
-              <a:shade val="50000"/>
-            </a:schemeClr>
-          </a:lnRef>
-          <a:fillRef idx="1">
-            <a:schemeClr val="accent1"/>
-          </a:fillRef>
-          <a:effectRef idx="0">
-            <a:schemeClr val="accent1"/>
-          </a:effectRef>
-          <a:fontRef idx="minor">
-            <a:schemeClr val="lt1"/>
-          </a:fontRef>
-        </p:style>
-        <p:txBody>
-          <a:bodyPr rtlCol="0" anchor="ctr"/>
-          <a:lstStyle/>
-          <a:p>
-            <a:pPr algn="ctr"/>
-            <a:r>
-              <a:rPr lang="en-US" smtClean="0"/>
-              <a:t>Currently</a:t>
-            </a:r>
-            <a:endParaRPr lang="en-US" dirty="0"/>
-          </a:p>
-        </p:txBody>
-      </p:sp>
-      <p:sp>
-        <p:nvSpPr>
-          <p:cNvPr id="28" name="Oval 27"/>
-          <p:cNvSpPr/>
-          <p:nvPr/>
-        </p:nvSpPr>
-        <p:spPr>
-          <a:xfrm>
-            <a:off x="3131874" y="234792"/>
-            <a:ext cx="1618506" cy="363255"/>
-          </a:xfrm>
-          <a:prstGeom prst="ellipse">
-            <a:avLst/>
-          </a:prstGeom>
-          <a:solidFill>
-            <a:schemeClr val="accent2"/>
-          </a:solidFill>
-        </p:spPr>
-        <p:style>
-          <a:lnRef idx="2">
-            <a:schemeClr val="accent1">
-              <a:shade val="50000"/>
-            </a:schemeClr>
-          </a:lnRef>
-          <a:fillRef idx="1">
-            <a:schemeClr val="accent1"/>
-          </a:fillRef>
-          <a:effectRef idx="0">
-            <a:schemeClr val="accent1"/>
-          </a:effectRef>
-          <a:fontRef idx="minor">
-            <a:schemeClr val="lt1"/>
-          </a:fontRef>
-        </p:style>
-        <p:txBody>
-          <a:bodyPr rtlCol="0" anchor="ctr"/>
-          <a:lstStyle/>
-          <a:p>
-            <a:pPr algn="ctr"/>
-            <a:r>
-              <a:rPr lang="en-US" smtClean="0"/>
-              <a:t>Buy_Price</a:t>
-            </a:r>
-            <a:endParaRPr lang="en-US" dirty="0"/>
-          </a:p>
-        </p:txBody>
-      </p:sp>
-      <p:sp>
-        <p:nvSpPr>
-          <p:cNvPr id="29" name="Oval 28"/>
-          <p:cNvSpPr/>
-          <p:nvPr/>
-        </p:nvSpPr>
-        <p:spPr>
-          <a:xfrm>
-            <a:off x="4840714" y="653977"/>
-            <a:ext cx="1618506" cy="363255"/>
-          </a:xfrm>
-          <a:prstGeom prst="ellipse">
-            <a:avLst/>
-          </a:prstGeom>
-          <a:solidFill>
-            <a:schemeClr val="accent2"/>
-          </a:solidFill>
-        </p:spPr>
-        <p:style>
-          <a:lnRef idx="2">
-            <a:schemeClr val="accent1">
-              <a:shade val="50000"/>
-            </a:schemeClr>
-          </a:lnRef>
-          <a:fillRef idx="1">
-            <a:schemeClr val="accent1"/>
-          </a:fillRef>
-          <a:effectRef idx="0">
-            <a:schemeClr val="accent1"/>
-          </a:effectRef>
-          <a:fontRef idx="minor">
-            <a:schemeClr val="lt1"/>
-          </a:fontRef>
-        </p:style>
-        <p:txBody>
-          <a:bodyPr rtlCol="0" anchor="ctr"/>
-          <a:lstStyle/>
-          <a:p>
-            <a:pPr algn="ctr"/>
-            <a:r>
-              <a:rPr lang="en-US" dirty="0" err="1" smtClean="0"/>
-              <a:t>First_Bid</a:t>
-            </a:r>
-            <a:endParaRPr lang="en-US" dirty="0"/>
-          </a:p>
-        </p:txBody>
-      </p:sp>
-      <p:sp>
-        <p:nvSpPr>
-          <p:cNvPr id="30" name="Oval 29"/>
-          <p:cNvSpPr/>
-          <p:nvPr/>
-        </p:nvSpPr>
-        <p:spPr>
-          <a:xfrm>
-            <a:off x="5649967" y="1258705"/>
-            <a:ext cx="2563052" cy="425010"/>
-          </a:xfrm>
-          <a:prstGeom prst="ellipse">
-            <a:avLst/>
-          </a:prstGeom>
-          <a:solidFill>
-            <a:schemeClr val="accent2"/>
-          </a:solidFill>
-        </p:spPr>
-        <p:style>
-          <a:lnRef idx="2">
-            <a:schemeClr val="accent1">
-              <a:shade val="50000"/>
-            </a:schemeClr>
-          </a:lnRef>
-          <a:fillRef idx="1">
-            <a:schemeClr val="accent1"/>
-          </a:fillRef>
-          <a:effectRef idx="0">
-            <a:schemeClr val="accent1"/>
-          </a:effectRef>
-          <a:fontRef idx="minor">
-            <a:schemeClr val="lt1"/>
-          </a:fontRef>
-        </p:style>
-        <p:txBody>
-          <a:bodyPr rtlCol="0" anchor="ctr"/>
-          <a:lstStyle/>
-          <a:p>
-            <a:pPr algn="ctr"/>
-            <a:r>
-              <a:rPr lang="en-US" smtClean="0"/>
-              <a:t>Number_Of_Bids</a:t>
-            </a:r>
-            <a:endParaRPr lang="en-US" dirty="0"/>
-          </a:p>
-        </p:txBody>
-      </p:sp>
-      <p:sp>
-        <p:nvSpPr>
-          <p:cNvPr id="31" name="Diamond 30"/>
-          <p:cNvSpPr/>
-          <p:nvPr/>
-        </p:nvSpPr>
-        <p:spPr>
-          <a:xfrm>
-            <a:off x="4947495" y="1963039"/>
-            <a:ext cx="1647938" cy="535431"/>
-          </a:xfrm>
-          <a:prstGeom prst="diamond">
-            <a:avLst/>
-          </a:prstGeom>
-          <a:solidFill>
-            <a:schemeClr val="accent6">
-              <a:lumMod val="75000"/>
-            </a:schemeClr>
-          </a:solidFill>
-        </p:spPr>
-        <p:style>
-          <a:lnRef idx="2">
-            <a:schemeClr val="accent1">
-              <a:shade val="50000"/>
-            </a:schemeClr>
-          </a:lnRef>
-          <a:fillRef idx="1">
-            <a:schemeClr val="accent1"/>
-          </a:fillRef>
-          <a:effectRef idx="0">
-            <a:schemeClr val="accent1"/>
-          </a:effectRef>
-          <a:fontRef idx="minor">
-            <a:schemeClr val="lt1"/>
-          </a:fontRef>
-        </p:style>
-        <p:txBody>
-          <a:bodyPr rot="0" spcFirstLastPara="0" vert="horz" wrap="square" lIns="91440" tIns="45720" rIns="91440" bIns="45720" numCol="1" spcCol="0" rtlCol="0" fromWordArt="0" anchor="ctr" anchorCtr="0" forceAA="0" compatLnSpc="1">
-            <a:prstTxWarp prst="textNoShape">
-              <a:avLst/>
-            </a:prstTxWarp>
-            <a:noAutofit/>
-          </a:bodyPr>
-          <a:lstStyle/>
-          <a:p>
-            <a:pPr marL="0" marR="0" algn="ctr">
-              <a:spcBef>
-                <a:spcPts val="0"/>
-              </a:spcBef>
-              <a:spcAft>
-                <a:spcPts val="0"/>
-              </a:spcAft>
-            </a:pPr>
-            <a:r>
-              <a:rPr lang="en-US" sz="1200" smtClean="0">
-                <a:ea typeface="Calibri" charset="0"/>
-                <a:cs typeface="Times New Roman" charset="0"/>
-              </a:rPr>
-              <a:t>belongTo</a:t>
-            </a:r>
-            <a:endParaRPr lang="en-US" sz="1200" dirty="0">
-              <a:effectLst/>
-              <a:ea typeface="Calibri" charset="0"/>
-              <a:cs typeface="Times New Roman" charset="0"/>
-            </a:endParaRPr>
-          </a:p>
-        </p:txBody>
-      </p:sp>
-      <p:sp>
-        <p:nvSpPr>
-          <p:cNvPr id="33" name="Rectangle 32"/>
-          <p:cNvSpPr/>
-          <p:nvPr/>
-        </p:nvSpPr>
-        <p:spPr>
-          <a:xfrm>
-            <a:off x="7142822" y="2058035"/>
-            <a:ext cx="1774938" cy="345440"/>
-          </a:xfrm>
-          <a:prstGeom prst="rect">
-            <a:avLst/>
-          </a:prstGeom>
-          <a:solidFill>
-            <a:schemeClr val="accent1">
-              <a:lumMod val="75000"/>
-            </a:schemeClr>
-          </a:solidFill>
-        </p:spPr>
-        <p:style>
-          <a:lnRef idx="2">
-            <a:schemeClr val="accent1">
-              <a:shade val="50000"/>
-            </a:schemeClr>
-          </a:lnRef>
-          <a:fillRef idx="1">
-            <a:schemeClr val="accent1"/>
-          </a:fillRef>
-          <a:effectRef idx="0">
-            <a:schemeClr val="accent1"/>
-          </a:effectRef>
-          <a:fontRef idx="minor">
-            <a:schemeClr val="lt1"/>
-          </a:fontRef>
-        </p:style>
-        <p:txBody>
-          <a:bodyPr rot="0" spcFirstLastPara="0" vert="horz" wrap="square" lIns="91440" tIns="45720" rIns="91440" bIns="45720" numCol="1" spcCol="0" rtlCol="0" fromWordArt="0" anchor="ctr" anchorCtr="0" forceAA="0" compatLnSpc="1">
-            <a:prstTxWarp prst="textNoShape">
-              <a:avLst/>
-            </a:prstTxWarp>
-            <a:noAutofit/>
-          </a:bodyPr>
-          <a:lstStyle/>
-          <a:p>
-            <a:pPr marL="0" marR="0" algn="ctr">
-              <a:spcBef>
-                <a:spcPts val="0"/>
-              </a:spcBef>
-              <a:spcAft>
-                <a:spcPts val="0"/>
-              </a:spcAft>
-            </a:pPr>
-            <a:r>
-              <a:rPr lang="en-US" sz="1200" smtClean="0">
-                <a:ea typeface="Calibri" charset="0"/>
-                <a:cs typeface="Times New Roman" charset="0"/>
-              </a:rPr>
-              <a:t>Category</a:t>
-            </a:r>
-            <a:endParaRPr lang="en-US" sz="1200">
-              <a:effectLst/>
-              <a:ea typeface="Calibri" charset="0"/>
-              <a:cs typeface="Times New Roman" charset="0"/>
-            </a:endParaRPr>
-          </a:p>
-        </p:txBody>
-      </p:sp>
-      <p:cxnSp>
-        <p:nvCxnSpPr>
-          <p:cNvPr id="35" name="Straight Connector 34"/>
-          <p:cNvCxnSpPr>
-            <a:stCxn id="31" idx="3"/>
-            <a:endCxn id="33" idx="1"/>
-          </p:cNvCxnSpPr>
-          <p:nvPr/>
-        </p:nvCxnSpPr>
-        <p:spPr>
-          <a:xfrm>
-            <a:off x="6595433" y="2230755"/>
-            <a:ext cx="547389" cy="0"/>
-          </a:xfrm>
-          <a:prstGeom prst="line">
-            <a:avLst/>
-          </a:prstGeom>
-        </p:spPr>
-        <p:style>
-          <a:lnRef idx="1">
-            <a:schemeClr val="dk1"/>
-          </a:lnRef>
-          <a:fillRef idx="0">
-            <a:schemeClr val="dk1"/>
-          </a:fillRef>
-          <a:effectRef idx="0">
-            <a:schemeClr val="dk1"/>
-          </a:effectRef>
-          <a:fontRef idx="minor">
-            <a:schemeClr val="tx1"/>
-          </a:fontRef>
-        </p:style>
-      </p:cxnSp>
-      <p:cxnSp>
-        <p:nvCxnSpPr>
-          <p:cNvPr id="38" name="Straight Connector 37"/>
-          <p:cNvCxnSpPr>
-            <a:stCxn id="4" idx="3"/>
-            <a:endCxn id="31" idx="1"/>
-          </p:cNvCxnSpPr>
-          <p:nvPr/>
-        </p:nvCxnSpPr>
-        <p:spPr>
-          <a:xfrm>
-            <a:off x="4171315" y="2230755"/>
-            <a:ext cx="776180" cy="0"/>
-          </a:xfrm>
-          <a:prstGeom prst="line">
-            <a:avLst/>
-          </a:prstGeom>
-        </p:spPr>
-        <p:style>
-          <a:lnRef idx="1">
-            <a:schemeClr val="dk1"/>
-          </a:lnRef>
-          <a:fillRef idx="0">
-            <a:schemeClr val="dk1"/>
-          </a:fillRef>
-          <a:effectRef idx="0">
-            <a:schemeClr val="dk1"/>
-          </a:effectRef>
-          <a:fontRef idx="minor">
-            <a:schemeClr val="tx1"/>
-          </a:fontRef>
-        </p:style>
-      </p:cxnSp>
-      <p:cxnSp>
-        <p:nvCxnSpPr>
-          <p:cNvPr id="40" name="Straight Connector 39"/>
-          <p:cNvCxnSpPr>
-            <a:endCxn id="30" idx="2"/>
-          </p:cNvCxnSpPr>
-          <p:nvPr/>
-        </p:nvCxnSpPr>
-        <p:spPr>
-          <a:xfrm flipV="1">
-            <a:off x="4171315" y="1471210"/>
-            <a:ext cx="1478652" cy="612565"/>
-          </a:xfrm>
-          <a:prstGeom prst="line">
-            <a:avLst/>
-          </a:prstGeom>
-        </p:spPr>
-        <p:style>
-          <a:lnRef idx="1">
-            <a:schemeClr val="dk1"/>
-          </a:lnRef>
-          <a:fillRef idx="0">
-            <a:schemeClr val="dk1"/>
-          </a:fillRef>
-          <a:effectRef idx="0">
-            <a:schemeClr val="dk1"/>
-          </a:effectRef>
-          <a:fontRef idx="minor">
-            <a:schemeClr val="tx1"/>
-          </a:fontRef>
-        </p:style>
-      </p:cxnSp>
-      <p:cxnSp>
-        <p:nvCxnSpPr>
-          <p:cNvPr id="42" name="Straight Connector 41"/>
-          <p:cNvCxnSpPr>
-            <a:endCxn id="29" idx="3"/>
-          </p:cNvCxnSpPr>
-          <p:nvPr/>
-        </p:nvCxnSpPr>
-        <p:spPr>
-          <a:xfrm flipV="1">
-            <a:off x="4076920" y="964035"/>
-            <a:ext cx="1000819" cy="1094000"/>
-          </a:xfrm>
-          <a:prstGeom prst="line">
-            <a:avLst/>
-          </a:prstGeom>
-        </p:spPr>
-        <p:style>
-          <a:lnRef idx="1">
-            <a:schemeClr val="dk1"/>
-          </a:lnRef>
-          <a:fillRef idx="0">
-            <a:schemeClr val="dk1"/>
-          </a:fillRef>
-          <a:effectRef idx="0">
-            <a:schemeClr val="dk1"/>
-          </a:effectRef>
-          <a:fontRef idx="minor">
-            <a:schemeClr val="tx1"/>
-          </a:fontRef>
-        </p:style>
-      </p:cxnSp>
-      <p:cxnSp>
-        <p:nvCxnSpPr>
-          <p:cNvPr id="47" name="Straight Connector 46"/>
-          <p:cNvCxnSpPr>
-            <a:stCxn id="4" idx="0"/>
-            <a:endCxn id="28" idx="4"/>
-          </p:cNvCxnSpPr>
-          <p:nvPr/>
-        </p:nvCxnSpPr>
-        <p:spPr>
-          <a:xfrm flipV="1">
-            <a:off x="3883978" y="598047"/>
-            <a:ext cx="57149" cy="1459988"/>
-          </a:xfrm>
-          <a:prstGeom prst="line">
-            <a:avLst/>
-          </a:prstGeom>
-        </p:spPr>
-        <p:style>
-          <a:lnRef idx="1">
-            <a:schemeClr val="dk1"/>
-          </a:lnRef>
-          <a:fillRef idx="0">
-            <a:schemeClr val="dk1"/>
-          </a:fillRef>
-          <a:effectRef idx="0">
-            <a:schemeClr val="dk1"/>
-          </a:effectRef>
-          <a:fontRef idx="minor">
-            <a:schemeClr val="tx1"/>
-          </a:fontRef>
-        </p:style>
-      </p:cxnSp>
-      <p:cxnSp>
-        <p:nvCxnSpPr>
-          <p:cNvPr id="50" name="Straight Connector 49"/>
-          <p:cNvCxnSpPr>
-            <a:endCxn id="27" idx="5"/>
-          </p:cNvCxnSpPr>
-          <p:nvPr/>
-        </p:nvCxnSpPr>
-        <p:spPr>
-          <a:xfrm flipH="1" flipV="1">
-            <a:off x="3108457" y="978893"/>
-            <a:ext cx="676176" cy="1104882"/>
-          </a:xfrm>
-          <a:prstGeom prst="line">
-            <a:avLst/>
-          </a:prstGeom>
-        </p:spPr>
-        <p:style>
-          <a:lnRef idx="1">
-            <a:schemeClr val="dk1"/>
-          </a:lnRef>
-          <a:fillRef idx="0">
-            <a:schemeClr val="dk1"/>
-          </a:fillRef>
-          <a:effectRef idx="0">
-            <a:schemeClr val="dk1"/>
-          </a:effectRef>
-          <a:fontRef idx="minor">
-            <a:schemeClr val="tx1"/>
-          </a:fontRef>
-        </p:style>
-      </p:cxnSp>
-      <p:cxnSp>
-        <p:nvCxnSpPr>
-          <p:cNvPr id="55" name="Straight Connector 54"/>
-          <p:cNvCxnSpPr>
-            <a:endCxn id="26" idx="6"/>
-          </p:cNvCxnSpPr>
-          <p:nvPr/>
-        </p:nvCxnSpPr>
-        <p:spPr>
-          <a:xfrm flipH="1" flipV="1">
-            <a:off x="2317884" y="1502088"/>
-            <a:ext cx="1264057" cy="563264"/>
-          </a:xfrm>
-          <a:prstGeom prst="line">
-            <a:avLst/>
-          </a:prstGeom>
-        </p:spPr>
-        <p:style>
-          <a:lnRef idx="1">
-            <a:schemeClr val="dk1"/>
-          </a:lnRef>
-          <a:fillRef idx="0">
-            <a:schemeClr val="dk1"/>
-          </a:fillRef>
-          <a:effectRef idx="0">
-            <a:schemeClr val="dk1"/>
-          </a:effectRef>
-          <a:fontRef idx="minor">
-            <a:schemeClr val="tx1"/>
-          </a:fontRef>
-        </p:style>
-      </p:cxnSp>
-      <p:cxnSp>
-        <p:nvCxnSpPr>
-          <p:cNvPr id="58" name="Straight Connector 57"/>
-          <p:cNvCxnSpPr>
-            <a:stCxn id="4" idx="1"/>
-          </p:cNvCxnSpPr>
-          <p:nvPr/>
-        </p:nvCxnSpPr>
-        <p:spPr>
-          <a:xfrm flipH="1" flipV="1">
-            <a:off x="2114269" y="2219654"/>
-            <a:ext cx="1482371" cy="11101"/>
-          </a:xfrm>
-          <a:prstGeom prst="line">
-            <a:avLst/>
-          </a:prstGeom>
-        </p:spPr>
-        <p:style>
-          <a:lnRef idx="1">
-            <a:schemeClr val="dk1"/>
-          </a:lnRef>
-          <a:fillRef idx="0">
-            <a:schemeClr val="dk1"/>
-          </a:fillRef>
-          <a:effectRef idx="0">
-            <a:schemeClr val="dk1"/>
-          </a:effectRef>
-          <a:fontRef idx="minor">
-            <a:schemeClr val="tx1"/>
-          </a:fontRef>
-        </p:style>
-      </p:cxnSp>
-      <p:sp>
-        <p:nvSpPr>
-          <p:cNvPr id="63" name="Oval 62"/>
-          <p:cNvSpPr/>
-          <p:nvPr/>
-        </p:nvSpPr>
-        <p:spPr>
-          <a:xfrm>
-            <a:off x="6410366" y="3122393"/>
-            <a:ext cx="1489490" cy="363255"/>
-          </a:xfrm>
-          <a:prstGeom prst="ellipse">
-            <a:avLst/>
-          </a:prstGeom>
-          <a:solidFill>
-            <a:schemeClr val="accent2"/>
-          </a:solidFill>
-        </p:spPr>
-        <p:style>
-          <a:lnRef idx="2">
-            <a:schemeClr val="accent1">
-              <a:shade val="50000"/>
-            </a:schemeClr>
-          </a:lnRef>
-          <a:fillRef idx="1">
-            <a:schemeClr val="accent1"/>
-          </a:fillRef>
-          <a:effectRef idx="0">
-            <a:schemeClr val="accent1"/>
-          </a:effectRef>
-          <a:fontRef idx="minor">
-            <a:schemeClr val="lt1"/>
-          </a:fontRef>
-        </p:style>
-        <p:txBody>
-          <a:bodyPr rtlCol="0" anchor="ctr"/>
-          <a:lstStyle/>
-          <a:p>
-            <a:pPr algn="ctr"/>
-            <a:r>
-              <a:rPr lang="en-US" smtClean="0"/>
-              <a:t>Location</a:t>
-            </a:r>
-            <a:endParaRPr lang="en-US" dirty="0"/>
-          </a:p>
-        </p:txBody>
-      </p:sp>
-      <p:sp>
-        <p:nvSpPr>
-          <p:cNvPr id="64" name="Oval 63"/>
-          <p:cNvSpPr/>
-          <p:nvPr/>
-        </p:nvSpPr>
-        <p:spPr>
-          <a:xfrm>
-            <a:off x="7030261" y="3869372"/>
-            <a:ext cx="1543951" cy="363255"/>
-          </a:xfrm>
-          <a:prstGeom prst="ellipse">
-            <a:avLst/>
-          </a:prstGeom>
-          <a:solidFill>
-            <a:schemeClr val="accent2"/>
-          </a:solidFill>
-        </p:spPr>
-        <p:style>
-          <a:lnRef idx="2">
-            <a:schemeClr val="accent1">
-              <a:shade val="50000"/>
-            </a:schemeClr>
-          </a:lnRef>
-          <a:fillRef idx="1">
-            <a:schemeClr val="accent1"/>
-          </a:fillRef>
-          <a:effectRef idx="0">
-            <a:schemeClr val="accent1"/>
-          </a:effectRef>
-          <a:fontRef idx="minor">
-            <a:schemeClr val="lt1"/>
-          </a:fontRef>
-        </p:style>
-        <p:txBody>
-          <a:bodyPr rtlCol="0" anchor="ctr"/>
-          <a:lstStyle/>
-          <a:p>
-            <a:pPr algn="ctr"/>
-            <a:r>
-              <a:rPr lang="en-US" smtClean="0"/>
-              <a:t>Country</a:t>
-            </a:r>
-            <a:endParaRPr lang="en-US" dirty="0"/>
-          </a:p>
-        </p:txBody>
-      </p:sp>
-      <p:sp>
-        <p:nvSpPr>
-          <p:cNvPr id="66" name="Oval 65"/>
-          <p:cNvSpPr/>
-          <p:nvPr/>
-        </p:nvSpPr>
-        <p:spPr>
-          <a:xfrm>
-            <a:off x="7292343" y="4560494"/>
-            <a:ext cx="1215025" cy="363255"/>
-          </a:xfrm>
-          <a:prstGeom prst="ellipse">
-            <a:avLst/>
-          </a:prstGeom>
-          <a:solidFill>
-            <a:schemeClr val="accent2"/>
-          </a:solidFill>
-        </p:spPr>
-        <p:style>
-          <a:lnRef idx="2">
-            <a:schemeClr val="accent1">
-              <a:shade val="50000"/>
-            </a:schemeClr>
-          </a:lnRef>
-          <a:fillRef idx="1">
-            <a:schemeClr val="accent1"/>
-          </a:fillRef>
-          <a:effectRef idx="0">
-            <a:schemeClr val="accent1"/>
-          </a:effectRef>
-          <a:fontRef idx="minor">
-            <a:schemeClr val="lt1"/>
-          </a:fontRef>
-        </p:style>
-        <p:txBody>
-          <a:bodyPr rtlCol="0" anchor="ctr"/>
-          <a:lstStyle/>
-          <a:p>
-            <a:pPr algn="ctr"/>
-            <a:r>
-              <a:rPr lang="en-US" u="sng" dirty="0" err="1" smtClean="0"/>
-              <a:t>UserID</a:t>
-            </a:r>
-            <a:endParaRPr lang="en-US" u="sng" dirty="0"/>
-          </a:p>
-        </p:txBody>
-      </p:sp>
-      <p:sp>
-        <p:nvSpPr>
-          <p:cNvPr id="67" name="Oval 66"/>
-          <p:cNvSpPr/>
-          <p:nvPr/>
-        </p:nvSpPr>
-        <p:spPr>
-          <a:xfrm>
-            <a:off x="6459220" y="5103796"/>
-            <a:ext cx="1215025" cy="363255"/>
-          </a:xfrm>
-          <a:prstGeom prst="ellipse">
-            <a:avLst/>
-          </a:prstGeom>
-          <a:solidFill>
-            <a:schemeClr val="accent2"/>
-          </a:solidFill>
-        </p:spPr>
-        <p:style>
-          <a:lnRef idx="2">
-            <a:schemeClr val="accent1">
-              <a:shade val="50000"/>
-            </a:schemeClr>
-          </a:lnRef>
-          <a:fillRef idx="1">
-            <a:schemeClr val="accent1"/>
-          </a:fillRef>
-          <a:effectRef idx="0">
-            <a:schemeClr val="accent1"/>
-          </a:effectRef>
-          <a:fontRef idx="minor">
-            <a:schemeClr val="lt1"/>
-          </a:fontRef>
-        </p:style>
-        <p:txBody>
-          <a:bodyPr rtlCol="0" anchor="ctr"/>
-          <a:lstStyle/>
-          <a:p>
-            <a:pPr algn="ctr"/>
-            <a:r>
-              <a:rPr lang="en-US" smtClean="0"/>
-              <a:t>Rating</a:t>
-            </a:r>
-            <a:endParaRPr lang="en-US" dirty="0"/>
-          </a:p>
-        </p:txBody>
-      </p:sp>
-      <p:cxnSp>
-        <p:nvCxnSpPr>
-          <p:cNvPr id="68" name="Straight Connector 67"/>
-          <p:cNvCxnSpPr>
-            <a:stCxn id="63" idx="3"/>
-          </p:cNvCxnSpPr>
-          <p:nvPr/>
-        </p:nvCxnSpPr>
-        <p:spPr>
-          <a:xfrm flipH="1">
-            <a:off x="6230023" y="3432451"/>
-            <a:ext cx="398474" cy="567415"/>
-          </a:xfrm>
-          <a:prstGeom prst="line">
-            <a:avLst/>
-          </a:prstGeom>
-        </p:spPr>
-        <p:style>
-          <a:lnRef idx="1">
-            <a:schemeClr val="dk1"/>
-          </a:lnRef>
-          <a:fillRef idx="0">
-            <a:schemeClr val="dk1"/>
-          </a:fillRef>
-          <a:effectRef idx="0">
-            <a:schemeClr val="dk1"/>
-          </a:effectRef>
-          <a:fontRef idx="minor">
-            <a:schemeClr val="tx1"/>
-          </a:fontRef>
-        </p:style>
-      </p:cxnSp>
-      <p:cxnSp>
-        <p:nvCxnSpPr>
-          <p:cNvPr id="70" name="Straight Connector 69"/>
-          <p:cNvCxnSpPr>
-            <a:stCxn id="64" idx="2"/>
-            <a:endCxn id="6" idx="3"/>
-          </p:cNvCxnSpPr>
-          <p:nvPr/>
-        </p:nvCxnSpPr>
-        <p:spPr>
-          <a:xfrm flipH="1">
-            <a:off x="6459220" y="4051000"/>
-            <a:ext cx="571041" cy="121585"/>
-          </a:xfrm>
-          <a:prstGeom prst="line">
-            <a:avLst/>
-          </a:prstGeom>
-        </p:spPr>
-        <p:style>
-          <a:lnRef idx="1">
-            <a:schemeClr val="dk1"/>
-          </a:lnRef>
-          <a:fillRef idx="0">
-            <a:schemeClr val="dk1"/>
-          </a:fillRef>
-          <a:effectRef idx="0">
-            <a:schemeClr val="dk1"/>
-          </a:effectRef>
-          <a:fontRef idx="minor">
-            <a:schemeClr val="tx1"/>
-          </a:fontRef>
-        </p:style>
-      </p:cxnSp>
-      <p:cxnSp>
-        <p:nvCxnSpPr>
-          <p:cNvPr id="73" name="Straight Connector 72"/>
-          <p:cNvCxnSpPr>
-            <a:stCxn id="66" idx="1"/>
-          </p:cNvCxnSpPr>
-          <p:nvPr/>
-        </p:nvCxnSpPr>
-        <p:spPr>
-          <a:xfrm flipH="1" flipV="1">
-            <a:off x="6459220" y="4345305"/>
-            <a:ext cx="1011059" cy="268386"/>
-          </a:xfrm>
-          <a:prstGeom prst="line">
-            <a:avLst/>
-          </a:prstGeom>
-        </p:spPr>
-        <p:style>
-          <a:lnRef idx="1">
-            <a:schemeClr val="dk1"/>
-          </a:lnRef>
-          <a:fillRef idx="0">
-            <a:schemeClr val="dk1"/>
-          </a:fillRef>
-          <a:effectRef idx="0">
-            <a:schemeClr val="dk1"/>
-          </a:effectRef>
-          <a:fontRef idx="minor">
-            <a:schemeClr val="tx1"/>
-          </a:fontRef>
-        </p:style>
-      </p:cxnSp>
-      <p:cxnSp>
-        <p:nvCxnSpPr>
-          <p:cNvPr id="77" name="Straight Connector 76"/>
-          <p:cNvCxnSpPr>
-            <a:stCxn id="67" idx="1"/>
-          </p:cNvCxnSpPr>
-          <p:nvPr/>
-        </p:nvCxnSpPr>
-        <p:spPr>
-          <a:xfrm flipH="1" flipV="1">
-            <a:off x="6182069" y="4357585"/>
-            <a:ext cx="455087" cy="799408"/>
-          </a:xfrm>
-          <a:prstGeom prst="line">
-            <a:avLst/>
-          </a:prstGeom>
-        </p:spPr>
-        <p:style>
-          <a:lnRef idx="1">
-            <a:schemeClr val="dk1"/>
-          </a:lnRef>
-          <a:fillRef idx="0">
-            <a:schemeClr val="dk1"/>
-          </a:fillRef>
-          <a:effectRef idx="0">
-            <a:schemeClr val="dk1"/>
-          </a:effectRef>
-          <a:fontRef idx="minor">
-            <a:schemeClr val="tx1"/>
-          </a:fontRef>
-        </p:style>
-      </p:cxnSp>
-      <p:sp>
-        <p:nvSpPr>
-          <p:cNvPr id="79" name="Oval 78"/>
-          <p:cNvSpPr/>
-          <p:nvPr/>
-        </p:nvSpPr>
-        <p:spPr>
-          <a:xfrm>
-            <a:off x="21791" y="4076982"/>
-            <a:ext cx="1004747" cy="363255"/>
-          </a:xfrm>
-          <a:prstGeom prst="ellipse">
-            <a:avLst/>
-          </a:prstGeom>
-          <a:solidFill>
-            <a:schemeClr val="accent2"/>
-          </a:solidFill>
-        </p:spPr>
-        <p:style>
-          <a:lnRef idx="2">
-            <a:schemeClr val="accent1">
-              <a:shade val="50000"/>
-            </a:schemeClr>
-          </a:lnRef>
-          <a:fillRef idx="1">
-            <a:schemeClr val="accent1"/>
-          </a:fillRef>
-          <a:effectRef idx="0">
-            <a:schemeClr val="accent1"/>
-          </a:effectRef>
-          <a:fontRef idx="minor">
-            <a:schemeClr val="lt1"/>
-          </a:fontRef>
-        </p:style>
-        <p:txBody>
-          <a:bodyPr rtlCol="0" anchor="ctr"/>
-          <a:lstStyle/>
-          <a:p>
-            <a:pPr algn="ctr"/>
-            <a:r>
-              <a:rPr lang="en-US" u="sng" dirty="0" smtClean="0"/>
-              <a:t>Time</a:t>
-            </a:r>
-            <a:endParaRPr lang="en-US" u="sng" dirty="0"/>
-          </a:p>
-        </p:txBody>
-      </p:sp>
-      <p:sp>
-        <p:nvSpPr>
-          <p:cNvPr id="80" name="Oval 79"/>
-          <p:cNvSpPr/>
-          <p:nvPr/>
-        </p:nvSpPr>
-        <p:spPr>
-          <a:xfrm>
-            <a:off x="1129107" y="4943690"/>
-            <a:ext cx="1543951" cy="363255"/>
-          </a:xfrm>
-          <a:prstGeom prst="ellipse">
-            <a:avLst/>
-          </a:prstGeom>
-          <a:solidFill>
-            <a:schemeClr val="accent2"/>
-          </a:solidFill>
-        </p:spPr>
-        <p:style>
-          <a:lnRef idx="2">
-            <a:schemeClr val="accent1">
-              <a:shade val="50000"/>
-            </a:schemeClr>
-          </a:lnRef>
-          <a:fillRef idx="1">
-            <a:schemeClr val="accent1"/>
-          </a:fillRef>
-          <a:effectRef idx="0">
-            <a:schemeClr val="accent1"/>
-          </a:effectRef>
-          <a:fontRef idx="minor">
-            <a:schemeClr val="lt1"/>
-          </a:fontRef>
-        </p:style>
-        <p:txBody>
-          <a:bodyPr rtlCol="0" anchor="ctr"/>
-          <a:lstStyle/>
-          <a:p>
-            <a:pPr algn="ctr"/>
-            <a:r>
-              <a:rPr lang="en-US" dirty="0" smtClean="0"/>
-              <a:t>Amount</a:t>
-            </a:r>
-            <a:endParaRPr lang="en-US" dirty="0"/>
-          </a:p>
-        </p:txBody>
-      </p:sp>
-      <p:cxnSp>
-        <p:nvCxnSpPr>
-          <p:cNvPr id="81" name="Straight Connector 80"/>
-          <p:cNvCxnSpPr>
-            <a:stCxn id="80" idx="0"/>
-          </p:cNvCxnSpPr>
-          <p:nvPr/>
-        </p:nvCxnSpPr>
-        <p:spPr>
-          <a:xfrm flipH="1" flipV="1">
-            <a:off x="1700186" y="4352035"/>
-            <a:ext cx="200897" cy="591655"/>
-          </a:xfrm>
-          <a:prstGeom prst="line">
-            <a:avLst/>
-          </a:prstGeom>
-        </p:spPr>
-        <p:style>
-          <a:lnRef idx="1">
-            <a:schemeClr val="dk1"/>
-          </a:lnRef>
-          <a:fillRef idx="0">
-            <a:schemeClr val="dk1"/>
-          </a:fillRef>
-          <a:effectRef idx="0">
-            <a:schemeClr val="dk1"/>
-          </a:effectRef>
-          <a:fontRef idx="minor">
-            <a:schemeClr val="tx1"/>
-          </a:fontRef>
-        </p:style>
-      </p:cxnSp>
-      <p:cxnSp>
-        <p:nvCxnSpPr>
-          <p:cNvPr id="83" name="Straight Connector 82"/>
-          <p:cNvCxnSpPr>
-            <a:stCxn id="5" idx="1"/>
-          </p:cNvCxnSpPr>
-          <p:nvPr/>
-        </p:nvCxnSpPr>
-        <p:spPr>
-          <a:xfrm flipH="1">
-            <a:off x="1026539" y="4175760"/>
-            <a:ext cx="396496" cy="64124"/>
-          </a:xfrm>
-          <a:prstGeom prst="line">
-            <a:avLst/>
-          </a:prstGeom>
-        </p:spPr>
-        <p:style>
-          <a:lnRef idx="1">
-            <a:schemeClr val="dk1"/>
-          </a:lnRef>
-          <a:fillRef idx="0">
-            <a:schemeClr val="dk1"/>
-          </a:fillRef>
-          <a:effectRef idx="0">
-            <a:schemeClr val="dk1"/>
-          </a:effectRef>
-          <a:fontRef idx="minor">
-            <a:schemeClr val="tx1"/>
-          </a:fontRef>
-        </p:style>
-      </p:cxnSp>
-      <p:sp>
-        <p:nvSpPr>
-          <p:cNvPr id="85" name="Oval 84"/>
-          <p:cNvSpPr/>
-          <p:nvPr/>
-        </p:nvSpPr>
-        <p:spPr>
-          <a:xfrm>
-            <a:off x="8316511" y="2673662"/>
-            <a:ext cx="1579051" cy="363255"/>
-          </a:xfrm>
-          <a:prstGeom prst="ellipse">
-            <a:avLst/>
-          </a:prstGeom>
-          <a:solidFill>
-            <a:schemeClr val="accent2"/>
-          </a:solidFill>
-        </p:spPr>
-        <p:style>
-          <a:lnRef idx="2">
-            <a:schemeClr val="accent1">
-              <a:shade val="50000"/>
-            </a:schemeClr>
-          </a:lnRef>
-          <a:fillRef idx="1">
-            <a:schemeClr val="accent1"/>
-          </a:fillRef>
-          <a:effectRef idx="0">
-            <a:schemeClr val="accent1"/>
-          </a:effectRef>
-          <a:fontRef idx="minor">
-            <a:schemeClr val="lt1"/>
-          </a:fontRef>
-        </p:style>
-        <p:txBody>
-          <a:bodyPr rtlCol="0" anchor="ctr"/>
-          <a:lstStyle/>
-          <a:p>
-            <a:pPr algn="ctr"/>
-            <a:r>
-              <a:rPr lang="en-US" u="sng" smtClean="0"/>
-              <a:t>Category</a:t>
-            </a:r>
-            <a:endParaRPr lang="en-US" u="sng" dirty="0"/>
-          </a:p>
-        </p:txBody>
-      </p:sp>
-      <p:cxnSp>
-        <p:nvCxnSpPr>
-          <p:cNvPr id="86" name="Straight Connector 85"/>
-          <p:cNvCxnSpPr>
-            <a:stCxn id="33" idx="2"/>
-            <a:endCxn id="85" idx="0"/>
-          </p:cNvCxnSpPr>
-          <p:nvPr/>
-        </p:nvCxnSpPr>
-        <p:spPr>
-          <a:xfrm>
-            <a:off x="8030291" y="2403475"/>
-            <a:ext cx="1075746" cy="270187"/>
-          </a:xfrm>
-          <a:prstGeom prst="line">
-            <a:avLst/>
-          </a:prstGeom>
-        </p:spPr>
-        <p:style>
-          <a:lnRef idx="1">
-            <a:schemeClr val="dk1"/>
-          </a:lnRef>
-          <a:fillRef idx="0">
-            <a:schemeClr val="dk1"/>
-          </a:fillRef>
-          <a:effectRef idx="0">
-            <a:schemeClr val="dk1"/>
-          </a:effectRef>
-          <a:fontRef idx="minor">
-            <a:schemeClr val="tx1"/>
-          </a:fontRef>
-        </p:style>
-      </p:cxnSp>
     </p:spTree>
     <p:extLst>
       <p:ext uri="{BB962C8B-B14F-4D97-AF65-F5344CB8AC3E}">
